--- a/CuseHacksPresentation.pptx
+++ b/CuseHacksPresentation.pptx
@@ -7,14 +7,17 @@
   <p:sldIdLst>
     <p:sldId id="256" r:id="rId2"/>
     <p:sldId id="258" r:id="rId3"/>
-    <p:sldId id="257" r:id="rId4"/>
-    <p:sldId id="259" r:id="rId5"/>
-    <p:sldId id="260" r:id="rId6"/>
-    <p:sldId id="261" r:id="rId7"/>
-    <p:sldId id="262" r:id="rId8"/>
-    <p:sldId id="263" r:id="rId9"/>
-    <p:sldId id="264" r:id="rId10"/>
-    <p:sldId id="265" r:id="rId11"/>
+    <p:sldId id="267" r:id="rId4"/>
+    <p:sldId id="257" r:id="rId5"/>
+    <p:sldId id="259" r:id="rId6"/>
+    <p:sldId id="260" r:id="rId7"/>
+    <p:sldId id="268" r:id="rId8"/>
+    <p:sldId id="266" r:id="rId9"/>
+    <p:sldId id="261" r:id="rId10"/>
+    <p:sldId id="262" r:id="rId11"/>
+    <p:sldId id="263" r:id="rId12"/>
+    <p:sldId id="264" r:id="rId13"/>
+    <p:sldId id="265" r:id="rId14"/>
   </p:sldIdLst>
   <p:sldSz cx="12192000" cy="6858000"/>
   <p:notesSz cx="6858000" cy="9144000"/>
@@ -113,6 +116,11 @@
       </a:defRPr>
     </a:lvl9pPr>
   </p:defaultTextStyle>
+  <p:extLst>
+    <p:ext uri="{EFAFB233-063F-42B5-8137-9DF3F51BA10A}">
+      <p15:sldGuideLst xmlns:p15="http://schemas.microsoft.com/office/powerpoint/2012/main"/>
+    </p:ext>
+  </p:extLst>
 </p:presentation>
 </file>
 
@@ -18120,6 +18128,1716 @@
       </p:grpSpPr>
       <p:sp>
         <p:nvSpPr>
+          <p:cNvPr id="21" name="Oval 20">
+            <a:extLst>
+              <a:ext uri="{FF2B5EF4-FFF2-40B4-BE49-F238E27FC236}">
+                <a16:creationId xmlns:a16="http://schemas.microsoft.com/office/drawing/2014/main" id="{B7C88D20-DD64-4245-9A64-EC886B2FF00D}"/>
+              </a:ext>
+            </a:extLst>
+          </p:cNvPr>
+          <p:cNvSpPr/>
+          <p:nvPr/>
+        </p:nvSpPr>
+        <p:spPr>
+          <a:xfrm>
+            <a:off x="5903520" y="3674378"/>
+            <a:ext cx="812800" cy="812800"/>
+          </a:xfrm>
+          <a:prstGeom prst="ellipse">
+            <a:avLst/>
+          </a:prstGeom>
+          <a:solidFill>
+            <a:srgbClr val="FF0000"/>
+          </a:solidFill>
+        </p:spPr>
+        <p:style>
+          <a:lnRef idx="2">
+            <a:schemeClr val="lt1">
+              <a:hueOff val="0"/>
+              <a:satOff val="0"/>
+              <a:lumOff val="0"/>
+              <a:alphaOff val="0"/>
+            </a:schemeClr>
+          </a:lnRef>
+          <a:fillRef idx="1">
+            <a:scrgbClr r="0" g="0" b="0"/>
+          </a:fillRef>
+          <a:effectRef idx="0">
+            <a:schemeClr val="accent1">
+              <a:hueOff val="0"/>
+              <a:satOff val="0"/>
+              <a:lumOff val="0"/>
+              <a:alphaOff val="0"/>
+            </a:schemeClr>
+          </a:effectRef>
+          <a:fontRef idx="minor">
+            <a:schemeClr val="lt1"/>
+          </a:fontRef>
+        </p:style>
+      </p:sp>
+      <p:sp>
+        <p:nvSpPr>
+          <p:cNvPr id="19" name="Oval 18">
+            <a:extLst>
+              <a:ext uri="{FF2B5EF4-FFF2-40B4-BE49-F238E27FC236}">
+                <a16:creationId xmlns:a16="http://schemas.microsoft.com/office/drawing/2014/main" id="{4D22485A-D6C8-4C35-926E-8C819BFD3571}"/>
+              </a:ext>
+            </a:extLst>
+          </p:cNvPr>
+          <p:cNvSpPr/>
+          <p:nvPr/>
+        </p:nvSpPr>
+        <p:spPr>
+          <a:xfrm>
+            <a:off x="4051417" y="2365230"/>
+            <a:ext cx="4064000" cy="4064000"/>
+          </a:xfrm>
+          <a:prstGeom prst="ellipse">
+            <a:avLst/>
+          </a:prstGeom>
+          <a:solidFill>
+            <a:schemeClr val="accent4"/>
+          </a:solidFill>
+        </p:spPr>
+        <p:style>
+          <a:lnRef idx="2">
+            <a:schemeClr val="lt1">
+              <a:hueOff val="0"/>
+              <a:satOff val="0"/>
+              <a:lumOff val="0"/>
+              <a:alphaOff val="0"/>
+            </a:schemeClr>
+          </a:lnRef>
+          <a:fillRef idx="1">
+            <a:scrgbClr r="0" g="0" b="0"/>
+          </a:fillRef>
+          <a:effectRef idx="0">
+            <a:schemeClr val="accent1">
+              <a:hueOff val="0"/>
+              <a:satOff val="0"/>
+              <a:lumOff val="0"/>
+              <a:alphaOff val="0"/>
+            </a:schemeClr>
+          </a:effectRef>
+          <a:fontRef idx="minor">
+            <a:schemeClr val="lt1"/>
+          </a:fontRef>
+        </p:style>
+      </p:sp>
+      <p:sp>
+        <p:nvSpPr>
+          <p:cNvPr id="20" name="Oval 19">
+            <a:extLst>
+              <a:ext uri="{FF2B5EF4-FFF2-40B4-BE49-F238E27FC236}">
+                <a16:creationId xmlns:a16="http://schemas.microsoft.com/office/drawing/2014/main" id="{E3C72B75-2AEE-4088-A69F-63E5AC32F842}"/>
+              </a:ext>
+            </a:extLst>
+          </p:cNvPr>
+          <p:cNvSpPr/>
+          <p:nvPr/>
+        </p:nvSpPr>
+        <p:spPr>
+          <a:xfrm>
+            <a:off x="4864217" y="3178030"/>
+            <a:ext cx="2438400" cy="2438400"/>
+          </a:xfrm>
+          <a:prstGeom prst="ellipse">
+            <a:avLst/>
+          </a:prstGeom>
+          <a:solidFill>
+            <a:schemeClr val="accent2"/>
+          </a:solidFill>
+        </p:spPr>
+        <p:style>
+          <a:lnRef idx="2">
+            <a:schemeClr val="lt1">
+              <a:hueOff val="0"/>
+              <a:satOff val="0"/>
+              <a:lumOff val="0"/>
+              <a:alphaOff val="0"/>
+            </a:schemeClr>
+          </a:lnRef>
+          <a:fillRef idx="1">
+            <a:scrgbClr r="0" g="0" b="0"/>
+          </a:fillRef>
+          <a:effectRef idx="0">
+            <a:schemeClr val="accent1">
+              <a:hueOff val="0"/>
+              <a:satOff val="0"/>
+              <a:lumOff val="0"/>
+              <a:alphaOff val="0"/>
+            </a:schemeClr>
+          </a:effectRef>
+          <a:fontRef idx="minor">
+            <a:schemeClr val="lt1"/>
+          </a:fontRef>
+        </p:style>
+      </p:sp>
+      <p:sp>
+        <p:nvSpPr>
+          <p:cNvPr id="2" name="Title 1">
+            <a:extLst>
+              <a:ext uri="{FF2B5EF4-FFF2-40B4-BE49-F238E27FC236}">
+                <a16:creationId xmlns:a16="http://schemas.microsoft.com/office/drawing/2014/main" id="{6EA08A74-B400-4ADF-877E-4B1836BCF37A}"/>
+              </a:ext>
+            </a:extLst>
+          </p:cNvPr>
+          <p:cNvSpPr>
+            <a:spLocks noGrp="1"/>
+          </p:cNvSpPr>
+          <p:nvPr>
+            <p:ph type="title"/>
+          </p:nvPr>
+        </p:nvSpPr>
+        <p:spPr/>
+        <p:txBody>
+          <a:bodyPr/>
+          <a:lstStyle/>
+          <a:p>
+            <a:pPr algn="ctr"/>
+            <a:r>
+              <a:rPr lang="en-US" dirty="0"/>
+              <a:t>A Travelling Salesman</a:t>
+            </a:r>
+          </a:p>
+        </p:txBody>
+      </p:sp>
+      <p:sp>
+        <p:nvSpPr>
+          <p:cNvPr id="5" name="Oval 4">
+            <a:extLst>
+              <a:ext uri="{FF2B5EF4-FFF2-40B4-BE49-F238E27FC236}">
+                <a16:creationId xmlns:a16="http://schemas.microsoft.com/office/drawing/2014/main" id="{606965CA-601C-4053-B57F-3F47C9495207}"/>
+              </a:ext>
+            </a:extLst>
+          </p:cNvPr>
+          <p:cNvSpPr/>
+          <p:nvPr/>
+        </p:nvSpPr>
+        <p:spPr>
+          <a:xfrm>
+            <a:off x="5394121" y="3556932"/>
+            <a:ext cx="109057" cy="117446"/>
+          </a:xfrm>
+          <a:prstGeom prst="ellipse">
+            <a:avLst/>
+          </a:prstGeom>
+        </p:spPr>
+        <p:style>
+          <a:lnRef idx="2">
+            <a:schemeClr val="dk1">
+              <a:shade val="50000"/>
+            </a:schemeClr>
+          </a:lnRef>
+          <a:fillRef idx="1">
+            <a:schemeClr val="dk1"/>
+          </a:fillRef>
+          <a:effectRef idx="0">
+            <a:schemeClr val="dk1"/>
+          </a:effectRef>
+          <a:fontRef idx="minor">
+            <a:schemeClr val="lt1"/>
+          </a:fontRef>
+        </p:style>
+        <p:txBody>
+          <a:bodyPr rtlCol="0" anchor="ctr"/>
+          <a:lstStyle/>
+          <a:p>
+            <a:pPr algn="ctr"/>
+            <a:endParaRPr lang="en-US"/>
+          </a:p>
+        </p:txBody>
+      </p:sp>
+      <p:sp>
+        <p:nvSpPr>
+          <p:cNvPr id="6" name="Oval 5">
+            <a:extLst>
+              <a:ext uri="{FF2B5EF4-FFF2-40B4-BE49-F238E27FC236}">
+                <a16:creationId xmlns:a16="http://schemas.microsoft.com/office/drawing/2014/main" id="{672C0FA1-FD65-4C7E-AAAA-CE87FB5AAA8D}"/>
+              </a:ext>
+            </a:extLst>
+          </p:cNvPr>
+          <p:cNvSpPr/>
+          <p:nvPr/>
+        </p:nvSpPr>
+        <p:spPr>
+          <a:xfrm>
+            <a:off x="5546521" y="4497898"/>
+            <a:ext cx="109057" cy="117446"/>
+          </a:xfrm>
+          <a:prstGeom prst="ellipse">
+            <a:avLst/>
+          </a:prstGeom>
+        </p:spPr>
+        <p:style>
+          <a:lnRef idx="2">
+            <a:schemeClr val="dk1">
+              <a:shade val="50000"/>
+            </a:schemeClr>
+          </a:lnRef>
+          <a:fillRef idx="1">
+            <a:schemeClr val="dk1"/>
+          </a:fillRef>
+          <a:effectRef idx="0">
+            <a:schemeClr val="dk1"/>
+          </a:effectRef>
+          <a:fontRef idx="minor">
+            <a:schemeClr val="lt1"/>
+          </a:fontRef>
+        </p:style>
+        <p:txBody>
+          <a:bodyPr rtlCol="0" anchor="ctr"/>
+          <a:lstStyle/>
+          <a:p>
+            <a:pPr algn="ctr"/>
+            <a:endParaRPr lang="en-US"/>
+          </a:p>
+        </p:txBody>
+      </p:sp>
+      <p:sp>
+        <p:nvSpPr>
+          <p:cNvPr id="9" name="Oval 8">
+            <a:extLst>
+              <a:ext uri="{FF2B5EF4-FFF2-40B4-BE49-F238E27FC236}">
+                <a16:creationId xmlns:a16="http://schemas.microsoft.com/office/drawing/2014/main" id="{7E6AD0A6-C5C0-4AA4-A4B4-475704FC39E1}"/>
+              </a:ext>
+            </a:extLst>
+          </p:cNvPr>
+          <p:cNvSpPr/>
+          <p:nvPr/>
+        </p:nvSpPr>
+        <p:spPr>
+          <a:xfrm>
+            <a:off x="6939095" y="3709332"/>
+            <a:ext cx="109057" cy="117446"/>
+          </a:xfrm>
+          <a:prstGeom prst="ellipse">
+            <a:avLst/>
+          </a:prstGeom>
+        </p:spPr>
+        <p:style>
+          <a:lnRef idx="2">
+            <a:schemeClr val="dk1">
+              <a:shade val="50000"/>
+            </a:schemeClr>
+          </a:lnRef>
+          <a:fillRef idx="1">
+            <a:schemeClr val="dk1"/>
+          </a:fillRef>
+          <a:effectRef idx="0">
+            <a:schemeClr val="dk1"/>
+          </a:effectRef>
+          <a:fontRef idx="minor">
+            <a:schemeClr val="lt1"/>
+          </a:fontRef>
+        </p:style>
+        <p:txBody>
+          <a:bodyPr rtlCol="0" anchor="ctr"/>
+          <a:lstStyle/>
+          <a:p>
+            <a:pPr algn="ctr"/>
+            <a:endParaRPr lang="en-US"/>
+          </a:p>
+        </p:txBody>
+      </p:sp>
+      <p:sp>
+        <p:nvSpPr>
+          <p:cNvPr id="10" name="Oval 9">
+            <a:extLst>
+              <a:ext uri="{FF2B5EF4-FFF2-40B4-BE49-F238E27FC236}">
+                <a16:creationId xmlns:a16="http://schemas.microsoft.com/office/drawing/2014/main" id="{320787EF-8268-4BCC-BE30-62B17460881C}"/>
+              </a:ext>
+            </a:extLst>
+          </p:cNvPr>
+          <p:cNvSpPr/>
+          <p:nvPr/>
+        </p:nvSpPr>
+        <p:spPr>
+          <a:xfrm>
+            <a:off x="6754537" y="4892181"/>
+            <a:ext cx="109057" cy="117446"/>
+          </a:xfrm>
+          <a:prstGeom prst="ellipse">
+            <a:avLst/>
+          </a:prstGeom>
+        </p:spPr>
+        <p:style>
+          <a:lnRef idx="2">
+            <a:schemeClr val="dk1">
+              <a:shade val="50000"/>
+            </a:schemeClr>
+          </a:lnRef>
+          <a:fillRef idx="1">
+            <a:schemeClr val="dk1"/>
+          </a:fillRef>
+          <a:effectRef idx="0">
+            <a:schemeClr val="dk1"/>
+          </a:effectRef>
+          <a:fontRef idx="minor">
+            <a:schemeClr val="lt1"/>
+          </a:fontRef>
+        </p:style>
+        <p:txBody>
+          <a:bodyPr rtlCol="0" anchor="ctr"/>
+          <a:lstStyle/>
+          <a:p>
+            <a:pPr algn="ctr"/>
+            <a:endParaRPr lang="en-US"/>
+          </a:p>
+        </p:txBody>
+      </p:sp>
+      <p:sp>
+        <p:nvSpPr>
+          <p:cNvPr id="12" name="Oval 11">
+            <a:extLst>
+              <a:ext uri="{FF2B5EF4-FFF2-40B4-BE49-F238E27FC236}">
+                <a16:creationId xmlns:a16="http://schemas.microsoft.com/office/drawing/2014/main" id="{1E61334D-9699-4F36-B3D8-E5F9E25F9ACE}"/>
+              </a:ext>
+            </a:extLst>
+          </p:cNvPr>
+          <p:cNvSpPr/>
+          <p:nvPr/>
+        </p:nvSpPr>
+        <p:spPr>
+          <a:xfrm>
+            <a:off x="6058250" y="4934126"/>
+            <a:ext cx="109057" cy="117446"/>
+          </a:xfrm>
+          <a:prstGeom prst="ellipse">
+            <a:avLst/>
+          </a:prstGeom>
+        </p:spPr>
+        <p:style>
+          <a:lnRef idx="2">
+            <a:schemeClr val="dk1">
+              <a:shade val="50000"/>
+            </a:schemeClr>
+          </a:lnRef>
+          <a:fillRef idx="1">
+            <a:schemeClr val="dk1"/>
+          </a:fillRef>
+          <a:effectRef idx="0">
+            <a:schemeClr val="dk1"/>
+          </a:effectRef>
+          <a:fontRef idx="minor">
+            <a:schemeClr val="lt1"/>
+          </a:fontRef>
+        </p:style>
+        <p:txBody>
+          <a:bodyPr rtlCol="0" anchor="ctr"/>
+          <a:lstStyle/>
+          <a:p>
+            <a:pPr algn="ctr"/>
+            <a:endParaRPr lang="en-US"/>
+          </a:p>
+        </p:txBody>
+      </p:sp>
+      <p:sp>
+        <p:nvSpPr>
+          <p:cNvPr id="13" name="Oval 12">
+            <a:extLst>
+              <a:ext uri="{FF2B5EF4-FFF2-40B4-BE49-F238E27FC236}">
+                <a16:creationId xmlns:a16="http://schemas.microsoft.com/office/drawing/2014/main" id="{E9C8F2EA-5A09-49DC-AED1-1F816A46F68A}"/>
+              </a:ext>
+            </a:extLst>
+          </p:cNvPr>
+          <p:cNvSpPr/>
+          <p:nvPr/>
+        </p:nvSpPr>
+        <p:spPr>
+          <a:xfrm>
+            <a:off x="5538132" y="2551650"/>
+            <a:ext cx="109057" cy="117446"/>
+          </a:xfrm>
+          <a:prstGeom prst="ellipse">
+            <a:avLst/>
+          </a:prstGeom>
+        </p:spPr>
+        <p:style>
+          <a:lnRef idx="2">
+            <a:schemeClr val="dk1">
+              <a:shade val="50000"/>
+            </a:schemeClr>
+          </a:lnRef>
+          <a:fillRef idx="1">
+            <a:schemeClr val="dk1"/>
+          </a:fillRef>
+          <a:effectRef idx="0">
+            <a:schemeClr val="dk1"/>
+          </a:effectRef>
+          <a:fontRef idx="minor">
+            <a:schemeClr val="lt1"/>
+          </a:fontRef>
+        </p:style>
+        <p:txBody>
+          <a:bodyPr rtlCol="0" anchor="ctr"/>
+          <a:lstStyle/>
+          <a:p>
+            <a:pPr algn="ctr"/>
+            <a:endParaRPr lang="en-US"/>
+          </a:p>
+        </p:txBody>
+      </p:sp>
+      <p:sp>
+        <p:nvSpPr>
+          <p:cNvPr id="14" name="Oval 13">
+            <a:extLst>
+              <a:ext uri="{FF2B5EF4-FFF2-40B4-BE49-F238E27FC236}">
+                <a16:creationId xmlns:a16="http://schemas.microsoft.com/office/drawing/2014/main" id="{68E11E74-14F2-4857-9388-87A564A51332}"/>
+              </a:ext>
+            </a:extLst>
+          </p:cNvPr>
+          <p:cNvSpPr/>
+          <p:nvPr/>
+        </p:nvSpPr>
+        <p:spPr>
+          <a:xfrm>
+            <a:off x="5546521" y="5705914"/>
+            <a:ext cx="109057" cy="117446"/>
+          </a:xfrm>
+          <a:prstGeom prst="ellipse">
+            <a:avLst/>
+          </a:prstGeom>
+        </p:spPr>
+        <p:style>
+          <a:lnRef idx="2">
+            <a:schemeClr val="dk1">
+              <a:shade val="50000"/>
+            </a:schemeClr>
+          </a:lnRef>
+          <a:fillRef idx="1">
+            <a:schemeClr val="dk1"/>
+          </a:fillRef>
+          <a:effectRef idx="0">
+            <a:schemeClr val="dk1"/>
+          </a:effectRef>
+          <a:fontRef idx="minor">
+            <a:schemeClr val="lt1"/>
+          </a:fontRef>
+        </p:style>
+        <p:txBody>
+          <a:bodyPr rtlCol="0" anchor="ctr"/>
+          <a:lstStyle/>
+          <a:p>
+            <a:pPr algn="ctr"/>
+            <a:endParaRPr lang="en-US"/>
+          </a:p>
+        </p:txBody>
+      </p:sp>
+      <p:sp>
+        <p:nvSpPr>
+          <p:cNvPr id="15" name="Oval 14">
+            <a:extLst>
+              <a:ext uri="{FF2B5EF4-FFF2-40B4-BE49-F238E27FC236}">
+                <a16:creationId xmlns:a16="http://schemas.microsoft.com/office/drawing/2014/main" id="{84A5A0B3-A616-44E4-8233-18C325B90CE6}"/>
+              </a:ext>
+            </a:extLst>
+          </p:cNvPr>
+          <p:cNvSpPr/>
+          <p:nvPr/>
+        </p:nvSpPr>
+        <p:spPr>
+          <a:xfrm>
+            <a:off x="4254615" y="4011336"/>
+            <a:ext cx="109057" cy="117446"/>
+          </a:xfrm>
+          <a:prstGeom prst="ellipse">
+            <a:avLst/>
+          </a:prstGeom>
+        </p:spPr>
+        <p:style>
+          <a:lnRef idx="2">
+            <a:schemeClr val="dk1">
+              <a:shade val="50000"/>
+            </a:schemeClr>
+          </a:lnRef>
+          <a:fillRef idx="1">
+            <a:schemeClr val="dk1"/>
+          </a:fillRef>
+          <a:effectRef idx="0">
+            <a:schemeClr val="dk1"/>
+          </a:effectRef>
+          <a:fontRef idx="minor">
+            <a:schemeClr val="lt1"/>
+          </a:fontRef>
+        </p:style>
+        <p:txBody>
+          <a:bodyPr rtlCol="0" anchor="ctr"/>
+          <a:lstStyle/>
+          <a:p>
+            <a:pPr algn="ctr"/>
+            <a:endParaRPr lang="en-US"/>
+          </a:p>
+        </p:txBody>
+      </p:sp>
+      <p:sp>
+        <p:nvSpPr>
+          <p:cNvPr id="16" name="Oval 15">
+            <a:extLst>
+              <a:ext uri="{FF2B5EF4-FFF2-40B4-BE49-F238E27FC236}">
+                <a16:creationId xmlns:a16="http://schemas.microsoft.com/office/drawing/2014/main" id="{1041B337-663E-44B2-900F-17161CA27A02}"/>
+              </a:ext>
+            </a:extLst>
+          </p:cNvPr>
+          <p:cNvSpPr/>
+          <p:nvPr/>
+        </p:nvSpPr>
+        <p:spPr>
+          <a:xfrm>
+            <a:off x="4330116" y="5152240"/>
+            <a:ext cx="109057" cy="117446"/>
+          </a:xfrm>
+          <a:prstGeom prst="ellipse">
+            <a:avLst/>
+          </a:prstGeom>
+        </p:spPr>
+        <p:style>
+          <a:lnRef idx="2">
+            <a:schemeClr val="dk1">
+              <a:shade val="50000"/>
+            </a:schemeClr>
+          </a:lnRef>
+          <a:fillRef idx="1">
+            <a:schemeClr val="dk1"/>
+          </a:fillRef>
+          <a:effectRef idx="0">
+            <a:schemeClr val="dk1"/>
+          </a:effectRef>
+          <a:fontRef idx="minor">
+            <a:schemeClr val="lt1"/>
+          </a:fontRef>
+        </p:style>
+        <p:txBody>
+          <a:bodyPr rtlCol="0" anchor="ctr"/>
+          <a:lstStyle/>
+          <a:p>
+            <a:pPr algn="ctr"/>
+            <a:endParaRPr lang="en-US"/>
+          </a:p>
+        </p:txBody>
+      </p:sp>
+      <p:sp>
+        <p:nvSpPr>
+          <p:cNvPr id="17" name="Oval 16">
+            <a:extLst>
+              <a:ext uri="{FF2B5EF4-FFF2-40B4-BE49-F238E27FC236}">
+                <a16:creationId xmlns:a16="http://schemas.microsoft.com/office/drawing/2014/main" id="{A6891BD4-5BD7-46B6-A55D-6B19F257CB80}"/>
+              </a:ext>
+            </a:extLst>
+          </p:cNvPr>
+          <p:cNvSpPr/>
+          <p:nvPr/>
+        </p:nvSpPr>
+        <p:spPr>
+          <a:xfrm>
+            <a:off x="7786384" y="3709332"/>
+            <a:ext cx="109057" cy="117446"/>
+          </a:xfrm>
+          <a:prstGeom prst="ellipse">
+            <a:avLst/>
+          </a:prstGeom>
+        </p:spPr>
+        <p:style>
+          <a:lnRef idx="2">
+            <a:schemeClr val="dk1">
+              <a:shade val="50000"/>
+            </a:schemeClr>
+          </a:lnRef>
+          <a:fillRef idx="1">
+            <a:schemeClr val="dk1"/>
+          </a:fillRef>
+          <a:effectRef idx="0">
+            <a:schemeClr val="dk1"/>
+          </a:effectRef>
+          <a:fontRef idx="minor">
+            <a:schemeClr val="lt1"/>
+          </a:fontRef>
+        </p:style>
+        <p:txBody>
+          <a:bodyPr rtlCol="0" anchor="ctr"/>
+          <a:lstStyle/>
+          <a:p>
+            <a:pPr algn="ctr"/>
+            <a:endParaRPr lang="en-US"/>
+          </a:p>
+        </p:txBody>
+      </p:sp>
+      <p:sp>
+        <p:nvSpPr>
+          <p:cNvPr id="18" name="Oval 17">
+            <a:extLst>
+              <a:ext uri="{FF2B5EF4-FFF2-40B4-BE49-F238E27FC236}">
+                <a16:creationId xmlns:a16="http://schemas.microsoft.com/office/drawing/2014/main" id="{3D495636-DB21-4CA3-B76A-11E117F23E4C}"/>
+              </a:ext>
+            </a:extLst>
+          </p:cNvPr>
+          <p:cNvSpPr/>
+          <p:nvPr/>
+        </p:nvSpPr>
+        <p:spPr>
+          <a:xfrm>
+            <a:off x="7895441" y="4699234"/>
+            <a:ext cx="109057" cy="117446"/>
+          </a:xfrm>
+          <a:prstGeom prst="ellipse">
+            <a:avLst/>
+          </a:prstGeom>
+        </p:spPr>
+        <p:style>
+          <a:lnRef idx="2">
+            <a:schemeClr val="dk1">
+              <a:shade val="50000"/>
+            </a:schemeClr>
+          </a:lnRef>
+          <a:fillRef idx="1">
+            <a:schemeClr val="dk1"/>
+          </a:fillRef>
+          <a:effectRef idx="0">
+            <a:schemeClr val="dk1"/>
+          </a:effectRef>
+          <a:fontRef idx="minor">
+            <a:schemeClr val="lt1"/>
+          </a:fontRef>
+        </p:style>
+        <p:txBody>
+          <a:bodyPr rtlCol="0" anchor="ctr"/>
+          <a:lstStyle/>
+          <a:p>
+            <a:pPr algn="ctr"/>
+            <a:endParaRPr lang="en-US"/>
+          </a:p>
+        </p:txBody>
+      </p:sp>
+      <p:sp>
+        <p:nvSpPr>
+          <p:cNvPr id="22" name="Oval 21">
+            <a:extLst>
+              <a:ext uri="{FF2B5EF4-FFF2-40B4-BE49-F238E27FC236}">
+                <a16:creationId xmlns:a16="http://schemas.microsoft.com/office/drawing/2014/main" id="{2282579C-4859-48C5-8E51-F06F3FC192A9}"/>
+              </a:ext>
+            </a:extLst>
+          </p:cNvPr>
+          <p:cNvSpPr/>
+          <p:nvPr/>
+        </p:nvSpPr>
+        <p:spPr>
+          <a:xfrm>
+            <a:off x="5680745" y="3930242"/>
+            <a:ext cx="812800" cy="812800"/>
+          </a:xfrm>
+          <a:prstGeom prst="ellipse">
+            <a:avLst/>
+          </a:prstGeom>
+          <a:solidFill>
+            <a:srgbClr val="FF0000"/>
+          </a:solidFill>
+        </p:spPr>
+        <p:style>
+          <a:lnRef idx="2">
+            <a:schemeClr val="lt1">
+              <a:hueOff val="0"/>
+              <a:satOff val="0"/>
+              <a:lumOff val="0"/>
+              <a:alphaOff val="0"/>
+            </a:schemeClr>
+          </a:lnRef>
+          <a:fillRef idx="1">
+            <a:scrgbClr r="0" g="0" b="0"/>
+          </a:fillRef>
+          <a:effectRef idx="0">
+            <a:schemeClr val="accent1">
+              <a:hueOff val="0"/>
+              <a:satOff val="0"/>
+              <a:lumOff val="0"/>
+              <a:alphaOff val="0"/>
+            </a:schemeClr>
+          </a:effectRef>
+          <a:fontRef idx="minor">
+            <a:schemeClr val="lt1"/>
+          </a:fontRef>
+        </p:style>
+      </p:sp>
+      <p:sp>
+        <p:nvSpPr>
+          <p:cNvPr id="7" name="Oval 6">
+            <a:extLst>
+              <a:ext uri="{FF2B5EF4-FFF2-40B4-BE49-F238E27FC236}">
+                <a16:creationId xmlns:a16="http://schemas.microsoft.com/office/drawing/2014/main" id="{6F36F3AC-3210-43F0-9846-FC9812C86E50}"/>
+              </a:ext>
+            </a:extLst>
+          </p:cNvPr>
+          <p:cNvSpPr/>
+          <p:nvPr/>
+        </p:nvSpPr>
+        <p:spPr>
+          <a:xfrm>
+            <a:off x="6217641" y="3742888"/>
+            <a:ext cx="109057" cy="117446"/>
+          </a:xfrm>
+          <a:prstGeom prst="ellipse">
+            <a:avLst/>
+          </a:prstGeom>
+        </p:spPr>
+        <p:style>
+          <a:lnRef idx="2">
+            <a:schemeClr val="dk1">
+              <a:shade val="50000"/>
+            </a:schemeClr>
+          </a:lnRef>
+          <a:fillRef idx="1">
+            <a:schemeClr val="dk1"/>
+          </a:fillRef>
+          <a:effectRef idx="0">
+            <a:schemeClr val="dk1"/>
+          </a:effectRef>
+          <a:fontRef idx="minor">
+            <a:schemeClr val="lt1"/>
+          </a:fontRef>
+        </p:style>
+        <p:txBody>
+          <a:bodyPr rtlCol="0" anchor="ctr"/>
+          <a:lstStyle/>
+          <a:p>
+            <a:pPr algn="ctr"/>
+            <a:endParaRPr lang="en-US"/>
+          </a:p>
+        </p:txBody>
+      </p:sp>
+      <p:sp>
+        <p:nvSpPr>
+          <p:cNvPr id="8" name="Oval 7">
+            <a:extLst>
+              <a:ext uri="{FF2B5EF4-FFF2-40B4-BE49-F238E27FC236}">
+                <a16:creationId xmlns:a16="http://schemas.microsoft.com/office/drawing/2014/main" id="{F118BDBB-AA4F-42A7-873E-1FDF1FEF579C}"/>
+              </a:ext>
+            </a:extLst>
+          </p:cNvPr>
+          <p:cNvSpPr/>
+          <p:nvPr/>
+        </p:nvSpPr>
+        <p:spPr>
+          <a:xfrm>
+            <a:off x="6309920" y="4145560"/>
+            <a:ext cx="109057" cy="117446"/>
+          </a:xfrm>
+          <a:prstGeom prst="ellipse">
+            <a:avLst/>
+          </a:prstGeom>
+        </p:spPr>
+        <p:style>
+          <a:lnRef idx="2">
+            <a:schemeClr val="dk1">
+              <a:shade val="50000"/>
+            </a:schemeClr>
+          </a:lnRef>
+          <a:fillRef idx="1">
+            <a:schemeClr val="dk1"/>
+          </a:fillRef>
+          <a:effectRef idx="0">
+            <a:schemeClr val="dk1"/>
+          </a:effectRef>
+          <a:fontRef idx="minor">
+            <a:schemeClr val="lt1"/>
+          </a:fontRef>
+        </p:style>
+        <p:txBody>
+          <a:bodyPr rtlCol="0" anchor="ctr"/>
+          <a:lstStyle/>
+          <a:p>
+            <a:pPr algn="ctr"/>
+            <a:endParaRPr lang="en-US"/>
+          </a:p>
+        </p:txBody>
+      </p:sp>
+      <p:sp>
+        <p:nvSpPr>
+          <p:cNvPr id="11" name="Oval 10">
+            <a:extLst>
+              <a:ext uri="{FF2B5EF4-FFF2-40B4-BE49-F238E27FC236}">
+                <a16:creationId xmlns:a16="http://schemas.microsoft.com/office/drawing/2014/main" id="{6F36E3B7-F376-4414-B695-43F38CB5508D}"/>
+              </a:ext>
+            </a:extLst>
+          </p:cNvPr>
+          <p:cNvSpPr/>
+          <p:nvPr/>
+        </p:nvSpPr>
+        <p:spPr>
+          <a:xfrm>
+            <a:off x="5932415" y="4095226"/>
+            <a:ext cx="109057" cy="117446"/>
+          </a:xfrm>
+          <a:prstGeom prst="ellipse">
+            <a:avLst/>
+          </a:prstGeom>
+        </p:spPr>
+        <p:style>
+          <a:lnRef idx="2">
+            <a:schemeClr val="dk1">
+              <a:shade val="50000"/>
+            </a:schemeClr>
+          </a:lnRef>
+          <a:fillRef idx="1">
+            <a:schemeClr val="dk1"/>
+          </a:fillRef>
+          <a:effectRef idx="0">
+            <a:schemeClr val="dk1"/>
+          </a:effectRef>
+          <a:fontRef idx="minor">
+            <a:schemeClr val="lt1"/>
+          </a:fontRef>
+        </p:style>
+        <p:txBody>
+          <a:bodyPr rtlCol="0" anchor="ctr"/>
+          <a:lstStyle/>
+          <a:p>
+            <a:pPr algn="ctr"/>
+            <a:endParaRPr lang="en-US"/>
+          </a:p>
+        </p:txBody>
+      </p:sp>
+      <p:cxnSp>
+        <p:nvCxnSpPr>
+          <p:cNvPr id="25" name="Straight Arrow Connector 24">
+            <a:extLst>
+              <a:ext uri="{FF2B5EF4-FFF2-40B4-BE49-F238E27FC236}">
+                <a16:creationId xmlns:a16="http://schemas.microsoft.com/office/drawing/2014/main" id="{257C1BDF-2E31-4FEF-A094-953E5670F1A4}"/>
+              </a:ext>
+            </a:extLst>
+          </p:cNvPr>
+          <p:cNvCxnSpPr>
+            <a:cxnSpLocks/>
+            <a:endCxn id="17" idx="2"/>
+          </p:cNvCxnSpPr>
+          <p:nvPr/>
+        </p:nvCxnSpPr>
+        <p:spPr>
+          <a:xfrm flipV="1">
+            <a:off x="4051417" y="3768055"/>
+            <a:ext cx="3734967" cy="634746"/>
+          </a:xfrm>
+          <a:prstGeom prst="straightConnector1">
+            <a:avLst/>
+          </a:prstGeom>
+          <a:ln>
+            <a:tailEnd type="triangle"/>
+          </a:ln>
+        </p:spPr>
+        <p:style>
+          <a:lnRef idx="1">
+            <a:schemeClr val="accent1"/>
+          </a:lnRef>
+          <a:fillRef idx="0">
+            <a:schemeClr val="accent1"/>
+          </a:fillRef>
+          <a:effectRef idx="0">
+            <a:schemeClr val="accent1"/>
+          </a:effectRef>
+          <a:fontRef idx="minor">
+            <a:schemeClr val="tx1"/>
+          </a:fontRef>
+        </p:style>
+      </p:cxnSp>
+      <p:cxnSp>
+        <p:nvCxnSpPr>
+          <p:cNvPr id="27" name="Straight Arrow Connector 26">
+            <a:extLst>
+              <a:ext uri="{FF2B5EF4-FFF2-40B4-BE49-F238E27FC236}">
+                <a16:creationId xmlns:a16="http://schemas.microsoft.com/office/drawing/2014/main" id="{3D2FFA7C-C6DD-4269-9240-4B68D541A65E}"/>
+              </a:ext>
+            </a:extLst>
+          </p:cNvPr>
+          <p:cNvCxnSpPr>
+            <a:stCxn id="17" idx="2"/>
+            <a:endCxn id="16" idx="7"/>
+          </p:cNvCxnSpPr>
+          <p:nvPr/>
+        </p:nvCxnSpPr>
+        <p:spPr>
+          <a:xfrm flipH="1">
+            <a:off x="4423202" y="3768055"/>
+            <a:ext cx="3363182" cy="1401385"/>
+          </a:xfrm>
+          <a:prstGeom prst="straightConnector1">
+            <a:avLst/>
+          </a:prstGeom>
+          <a:ln>
+            <a:tailEnd type="triangle"/>
+          </a:ln>
+        </p:spPr>
+        <p:style>
+          <a:lnRef idx="1">
+            <a:schemeClr val="accent1"/>
+          </a:lnRef>
+          <a:fillRef idx="0">
+            <a:schemeClr val="accent1"/>
+          </a:fillRef>
+          <a:effectRef idx="0">
+            <a:schemeClr val="accent1"/>
+          </a:effectRef>
+          <a:fontRef idx="minor">
+            <a:schemeClr val="tx1"/>
+          </a:fontRef>
+        </p:style>
+      </p:cxnSp>
+      <p:cxnSp>
+        <p:nvCxnSpPr>
+          <p:cNvPr id="29" name="Straight Arrow Connector 28">
+            <a:extLst>
+              <a:ext uri="{FF2B5EF4-FFF2-40B4-BE49-F238E27FC236}">
+                <a16:creationId xmlns:a16="http://schemas.microsoft.com/office/drawing/2014/main" id="{32161DF2-871A-4EDD-BA52-51CF776F3D10}"/>
+              </a:ext>
+            </a:extLst>
+          </p:cNvPr>
+          <p:cNvCxnSpPr>
+            <a:stCxn id="16" idx="6"/>
+            <a:endCxn id="13" idx="3"/>
+          </p:cNvCxnSpPr>
+          <p:nvPr/>
+        </p:nvCxnSpPr>
+        <p:spPr>
+          <a:xfrm flipV="1">
+            <a:off x="4439173" y="2651896"/>
+            <a:ext cx="1114930" cy="2559067"/>
+          </a:xfrm>
+          <a:prstGeom prst="straightConnector1">
+            <a:avLst/>
+          </a:prstGeom>
+          <a:ln>
+            <a:tailEnd type="triangle"/>
+          </a:ln>
+        </p:spPr>
+        <p:style>
+          <a:lnRef idx="1">
+            <a:schemeClr val="accent1"/>
+          </a:lnRef>
+          <a:fillRef idx="0">
+            <a:schemeClr val="accent1"/>
+          </a:fillRef>
+          <a:effectRef idx="0">
+            <a:schemeClr val="accent1"/>
+          </a:effectRef>
+          <a:fontRef idx="minor">
+            <a:schemeClr val="tx1"/>
+          </a:fontRef>
+        </p:style>
+      </p:cxnSp>
+      <p:cxnSp>
+        <p:nvCxnSpPr>
+          <p:cNvPr id="31" name="Straight Arrow Connector 30">
+            <a:extLst>
+              <a:ext uri="{FF2B5EF4-FFF2-40B4-BE49-F238E27FC236}">
+                <a16:creationId xmlns:a16="http://schemas.microsoft.com/office/drawing/2014/main" id="{630F38A9-6C6C-4010-800C-0C2BA5ADA766}"/>
+              </a:ext>
+            </a:extLst>
+          </p:cNvPr>
+          <p:cNvCxnSpPr>
+            <a:stCxn id="13" idx="4"/>
+            <a:endCxn id="14" idx="0"/>
+          </p:cNvCxnSpPr>
+          <p:nvPr/>
+        </p:nvCxnSpPr>
+        <p:spPr>
+          <a:xfrm>
+            <a:off x="5592661" y="2669096"/>
+            <a:ext cx="8389" cy="3036818"/>
+          </a:xfrm>
+          <a:prstGeom prst="straightConnector1">
+            <a:avLst/>
+          </a:prstGeom>
+          <a:ln>
+            <a:tailEnd type="triangle"/>
+          </a:ln>
+        </p:spPr>
+        <p:style>
+          <a:lnRef idx="1">
+            <a:schemeClr val="accent1"/>
+          </a:lnRef>
+          <a:fillRef idx="0">
+            <a:schemeClr val="accent1"/>
+          </a:fillRef>
+          <a:effectRef idx="0">
+            <a:schemeClr val="accent1"/>
+          </a:effectRef>
+          <a:fontRef idx="minor">
+            <a:schemeClr val="tx1"/>
+          </a:fontRef>
+        </p:style>
+      </p:cxnSp>
+      <p:sp>
+        <p:nvSpPr>
+          <p:cNvPr id="59" name="Rectangle: Rounded Corners 58">
+            <a:extLst>
+              <a:ext uri="{FF2B5EF4-FFF2-40B4-BE49-F238E27FC236}">
+                <a16:creationId xmlns:a16="http://schemas.microsoft.com/office/drawing/2014/main" id="{C3CEEB34-1A12-42A5-B245-51B86DC0DD89}"/>
+              </a:ext>
+            </a:extLst>
+          </p:cNvPr>
+          <p:cNvSpPr/>
+          <p:nvPr/>
+        </p:nvSpPr>
+        <p:spPr>
+          <a:xfrm>
+            <a:off x="3129094" y="4017862"/>
+            <a:ext cx="922323" cy="798818"/>
+          </a:xfrm>
+          <a:prstGeom prst="roundRect">
+            <a:avLst/>
+          </a:prstGeom>
+          <a:solidFill>
+            <a:srgbClr val="FF5050">
+              <a:alpha val="86000"/>
+            </a:srgbClr>
+          </a:solidFill>
+        </p:spPr>
+        <p:style>
+          <a:lnRef idx="2">
+            <a:schemeClr val="accent1">
+              <a:shade val="50000"/>
+            </a:schemeClr>
+          </a:lnRef>
+          <a:fillRef idx="1">
+            <a:schemeClr val="accent1"/>
+          </a:fillRef>
+          <a:effectRef idx="0">
+            <a:schemeClr val="accent1"/>
+          </a:effectRef>
+          <a:fontRef idx="minor">
+            <a:schemeClr val="lt1"/>
+          </a:fontRef>
+        </p:style>
+        <p:txBody>
+          <a:bodyPr rtlCol="0" anchor="ctr"/>
+          <a:lstStyle/>
+          <a:p>
+            <a:pPr algn="ctr"/>
+            <a:endParaRPr lang="en-US" dirty="0">
+              <a:ln>
+                <a:solidFill>
+                  <a:schemeClr val="accent1">
+                    <a:shade val="50000"/>
+                  </a:schemeClr>
+                </a:solidFill>
+              </a:ln>
+              <a:solidFill>
+                <a:schemeClr val="bg1"/>
+              </a:solidFill>
+            </a:endParaRPr>
+          </a:p>
+        </p:txBody>
+      </p:sp>
+    </p:spTree>
+    <p:extLst>
+      <p:ext uri="{BB962C8B-B14F-4D97-AF65-F5344CB8AC3E}">
+        <p14:creationId xmlns:p14="http://schemas.microsoft.com/office/powerpoint/2010/main" val="4057420877"/>
+      </p:ext>
+    </p:extLst>
+  </p:cSld>
+  <p:clrMapOvr>
+    <a:masterClrMapping/>
+  </p:clrMapOvr>
+</p:sld>
+</file>
+
+<file path=ppt/slides/slide11.xml><?xml version="1.0" encoding="utf-8"?>
+<p:sld xmlns:a="http://schemas.openxmlformats.org/drawingml/2006/main" xmlns:r="http://schemas.openxmlformats.org/officeDocument/2006/relationships" xmlns:p="http://schemas.openxmlformats.org/presentationml/2006/main">
+  <p:cSld>
+    <p:spTree>
+      <p:nvGrpSpPr>
+        <p:cNvPr id="1" name=""/>
+        <p:cNvGrpSpPr/>
+        <p:nvPr/>
+      </p:nvGrpSpPr>
+      <p:grpSpPr>
+        <a:xfrm>
+          <a:off x="0" y="0"/>
+          <a:ext cx="0" cy="0"/>
+          <a:chOff x="0" y="0"/>
+          <a:chExt cx="0" cy="0"/>
+        </a:xfrm>
+      </p:grpSpPr>
+      <p:sp>
+        <p:nvSpPr>
+          <p:cNvPr id="2" name="Title 1">
+            <a:extLst>
+              <a:ext uri="{FF2B5EF4-FFF2-40B4-BE49-F238E27FC236}">
+                <a16:creationId xmlns:a16="http://schemas.microsoft.com/office/drawing/2014/main" id="{4B8D6409-F30A-4C13-B99C-143C9D5BA9F3}"/>
+              </a:ext>
+            </a:extLst>
+          </p:cNvPr>
+          <p:cNvSpPr>
+            <a:spLocks noGrp="1"/>
+          </p:cNvSpPr>
+          <p:nvPr>
+            <p:ph type="title"/>
+          </p:nvPr>
+        </p:nvSpPr>
+        <p:spPr/>
+        <p:txBody>
+          <a:bodyPr/>
+          <a:lstStyle/>
+          <a:p>
+            <a:pPr algn="ctr"/>
+            <a:r>
+              <a:rPr lang="en-US" dirty="0"/>
+              <a:t>An Error Function and Gradient Descent</a:t>
+            </a:r>
+          </a:p>
+        </p:txBody>
+      </p:sp>
+      <p:pic>
+        <p:nvPicPr>
+          <p:cNvPr id="5" name="Picture 4">
+            <a:extLst>
+              <a:ext uri="{FF2B5EF4-FFF2-40B4-BE49-F238E27FC236}">
+                <a16:creationId xmlns:a16="http://schemas.microsoft.com/office/drawing/2014/main" id="{DF49EAB1-77EA-44EC-9B2F-7CF80FB4AE17}"/>
+              </a:ext>
+            </a:extLst>
+          </p:cNvPr>
+          <p:cNvPicPr>
+            <a:picLocks noChangeAspect="1"/>
+          </p:cNvPicPr>
+          <p:nvPr/>
+        </p:nvPicPr>
+        <p:blipFill>
+          <a:blip r:embed="rId2"/>
+          <a:stretch>
+            <a:fillRect/>
+          </a:stretch>
+        </p:blipFill>
+        <p:spPr>
+          <a:xfrm>
+            <a:off x="1607328" y="1690688"/>
+            <a:ext cx="4293375" cy="3829226"/>
+          </a:xfrm>
+          <a:prstGeom prst="rect">
+            <a:avLst/>
+          </a:prstGeom>
+        </p:spPr>
+      </p:pic>
+      <p:cxnSp>
+        <p:nvCxnSpPr>
+          <p:cNvPr id="7" name="Straight Arrow Connector 6">
+            <a:extLst>
+              <a:ext uri="{FF2B5EF4-FFF2-40B4-BE49-F238E27FC236}">
+                <a16:creationId xmlns:a16="http://schemas.microsoft.com/office/drawing/2014/main" id="{8E101B77-A955-400D-B71B-E6E88BEAE708}"/>
+              </a:ext>
+            </a:extLst>
+          </p:cNvPr>
+          <p:cNvCxnSpPr>
+            <a:cxnSpLocks/>
+          </p:cNvCxnSpPr>
+          <p:nvPr/>
+        </p:nvCxnSpPr>
+        <p:spPr>
+          <a:xfrm flipV="1">
+            <a:off x="6560190" y="1677798"/>
+            <a:ext cx="0" cy="3842158"/>
+          </a:xfrm>
+          <a:prstGeom prst="straightConnector1">
+            <a:avLst/>
+          </a:prstGeom>
+          <a:ln>
+            <a:tailEnd type="triangle"/>
+          </a:ln>
+        </p:spPr>
+        <p:style>
+          <a:lnRef idx="1">
+            <a:schemeClr val="accent1"/>
+          </a:lnRef>
+          <a:fillRef idx="0">
+            <a:schemeClr val="accent1"/>
+          </a:fillRef>
+          <a:effectRef idx="0">
+            <a:schemeClr val="accent1"/>
+          </a:effectRef>
+          <a:fontRef idx="minor">
+            <a:schemeClr val="tx1"/>
+          </a:fontRef>
+        </p:style>
+      </p:cxnSp>
+      <p:cxnSp>
+        <p:nvCxnSpPr>
+          <p:cNvPr id="9" name="Straight Arrow Connector 8">
+            <a:extLst>
+              <a:ext uri="{FF2B5EF4-FFF2-40B4-BE49-F238E27FC236}">
+                <a16:creationId xmlns:a16="http://schemas.microsoft.com/office/drawing/2014/main" id="{68BA0885-3320-4744-8733-F1CFDF422948}"/>
+              </a:ext>
+            </a:extLst>
+          </p:cNvPr>
+          <p:cNvCxnSpPr>
+            <a:cxnSpLocks/>
+          </p:cNvCxnSpPr>
+          <p:nvPr/>
+        </p:nvCxnSpPr>
+        <p:spPr>
+          <a:xfrm>
+            <a:off x="6551801" y="5536734"/>
+            <a:ext cx="4639113" cy="0"/>
+          </a:xfrm>
+          <a:prstGeom prst="straightConnector1">
+            <a:avLst/>
+          </a:prstGeom>
+          <a:ln>
+            <a:tailEnd type="triangle"/>
+          </a:ln>
+        </p:spPr>
+        <p:style>
+          <a:lnRef idx="1">
+            <a:schemeClr val="accent1"/>
+          </a:lnRef>
+          <a:fillRef idx="0">
+            <a:schemeClr val="accent1"/>
+          </a:fillRef>
+          <a:effectRef idx="0">
+            <a:schemeClr val="accent1"/>
+          </a:effectRef>
+          <a:fontRef idx="minor">
+            <a:schemeClr val="tx1"/>
+          </a:fontRef>
+        </p:style>
+      </p:cxnSp>
+      <p:sp>
+        <p:nvSpPr>
+          <p:cNvPr id="13" name="Freeform: Shape 12">
+            <a:extLst>
+              <a:ext uri="{FF2B5EF4-FFF2-40B4-BE49-F238E27FC236}">
+                <a16:creationId xmlns:a16="http://schemas.microsoft.com/office/drawing/2014/main" id="{EA448E36-8894-4A55-BDB6-C321D97C8FF9}"/>
+              </a:ext>
+            </a:extLst>
+          </p:cNvPr>
+          <p:cNvSpPr/>
+          <p:nvPr/>
+        </p:nvSpPr>
+        <p:spPr>
+          <a:xfrm>
+            <a:off x="6845416" y="1870745"/>
+            <a:ext cx="4202884" cy="2818786"/>
+          </a:xfrm>
+          <a:custGeom>
+            <a:avLst/>
+            <a:gdLst>
+              <a:gd name="connsiteX0" fmla="*/ 0 w 4202884"/>
+              <a:gd name="connsiteY0" fmla="*/ 75501 h 2818786"/>
+              <a:gd name="connsiteX1" fmla="*/ 2013357 w 4202884"/>
+              <a:gd name="connsiteY1" fmla="*/ 2818701 h 2818786"/>
+              <a:gd name="connsiteX2" fmla="*/ 4202884 w 4202884"/>
+              <a:gd name="connsiteY2" fmla="*/ 0 h 2818786"/>
+            </a:gdLst>
+            <a:ahLst/>
+            <a:cxnLst>
+              <a:cxn ang="0">
+                <a:pos x="connsiteX0" y="connsiteY0"/>
+              </a:cxn>
+              <a:cxn ang="0">
+                <a:pos x="connsiteX1" y="connsiteY1"/>
+              </a:cxn>
+              <a:cxn ang="0">
+                <a:pos x="connsiteX2" y="connsiteY2"/>
+              </a:cxn>
+            </a:cxnLst>
+            <a:rect l="l" t="t" r="r" b="b"/>
+            <a:pathLst>
+              <a:path w="4202884" h="2818786">
+                <a:moveTo>
+                  <a:pt x="0" y="75501"/>
+                </a:moveTo>
+                <a:cubicBezTo>
+                  <a:pt x="656438" y="1453393"/>
+                  <a:pt x="1312876" y="2831285"/>
+                  <a:pt x="2013357" y="2818701"/>
+                </a:cubicBezTo>
+                <a:cubicBezTo>
+                  <a:pt x="2713838" y="2806118"/>
+                  <a:pt x="3893889" y="271244"/>
+                  <a:pt x="4202884" y="0"/>
+                </a:cubicBezTo>
+              </a:path>
+            </a:pathLst>
+          </a:custGeom>
+          <a:noFill/>
+        </p:spPr>
+        <p:style>
+          <a:lnRef idx="2">
+            <a:schemeClr val="accent1">
+              <a:shade val="50000"/>
+            </a:schemeClr>
+          </a:lnRef>
+          <a:fillRef idx="1">
+            <a:schemeClr val="accent1"/>
+          </a:fillRef>
+          <a:effectRef idx="0">
+            <a:schemeClr val="accent1"/>
+          </a:effectRef>
+          <a:fontRef idx="minor">
+            <a:schemeClr val="lt1"/>
+          </a:fontRef>
+        </p:style>
+        <p:txBody>
+          <a:bodyPr rtlCol="0" anchor="ctr"/>
+          <a:lstStyle/>
+          <a:p>
+            <a:pPr algn="ctr"/>
+            <a:endParaRPr lang="en-US"/>
+          </a:p>
+        </p:txBody>
+      </p:sp>
+      <p:sp>
+        <p:nvSpPr>
+          <p:cNvPr id="14" name="Oval 13">
+            <a:extLst>
+              <a:ext uri="{FF2B5EF4-FFF2-40B4-BE49-F238E27FC236}">
+                <a16:creationId xmlns:a16="http://schemas.microsoft.com/office/drawing/2014/main" id="{A9B0EE2C-7F5B-4B50-BBDE-61738129CCA8}"/>
+              </a:ext>
+            </a:extLst>
+          </p:cNvPr>
+          <p:cNvSpPr/>
+          <p:nvPr/>
+        </p:nvSpPr>
+        <p:spPr>
+          <a:xfrm>
+            <a:off x="7105474" y="2558642"/>
+            <a:ext cx="142613" cy="151002"/>
+          </a:xfrm>
+          <a:prstGeom prst="ellipse">
+            <a:avLst/>
+          </a:prstGeom>
+          <a:solidFill>
+            <a:srgbClr val="FF5050"/>
+          </a:solidFill>
+        </p:spPr>
+        <p:style>
+          <a:lnRef idx="2">
+            <a:schemeClr val="accent1">
+              <a:shade val="50000"/>
+            </a:schemeClr>
+          </a:lnRef>
+          <a:fillRef idx="1">
+            <a:schemeClr val="accent1"/>
+          </a:fillRef>
+          <a:effectRef idx="0">
+            <a:schemeClr val="accent1"/>
+          </a:effectRef>
+          <a:fontRef idx="minor">
+            <a:schemeClr val="lt1"/>
+          </a:fontRef>
+        </p:style>
+        <p:txBody>
+          <a:bodyPr rtlCol="0" anchor="ctr"/>
+          <a:lstStyle/>
+          <a:p>
+            <a:pPr algn="ctr"/>
+            <a:endParaRPr lang="en-US"/>
+          </a:p>
+        </p:txBody>
+      </p:sp>
+      <p:cxnSp>
+        <p:nvCxnSpPr>
+          <p:cNvPr id="16" name="Straight Connector 15">
+            <a:extLst>
+              <a:ext uri="{FF2B5EF4-FFF2-40B4-BE49-F238E27FC236}">
+                <a16:creationId xmlns:a16="http://schemas.microsoft.com/office/drawing/2014/main" id="{9213B555-D568-4BD5-A3AF-9E3F1D058CCE}"/>
+              </a:ext>
+            </a:extLst>
+          </p:cNvPr>
+          <p:cNvCxnSpPr>
+            <a:cxnSpLocks/>
+          </p:cNvCxnSpPr>
+          <p:nvPr/>
+        </p:nvCxnSpPr>
+        <p:spPr>
+          <a:xfrm>
+            <a:off x="6660858" y="1518408"/>
+            <a:ext cx="1062955" cy="2287094"/>
+          </a:xfrm>
+          <a:prstGeom prst="line">
+            <a:avLst/>
+          </a:prstGeom>
+          <a:ln>
+            <a:solidFill>
+              <a:srgbClr val="FF0000"/>
+            </a:solidFill>
+          </a:ln>
+        </p:spPr>
+        <p:style>
+          <a:lnRef idx="1">
+            <a:schemeClr val="dk1"/>
+          </a:lnRef>
+          <a:fillRef idx="0">
+            <a:schemeClr val="dk1"/>
+          </a:fillRef>
+          <a:effectRef idx="0">
+            <a:schemeClr val="dk1"/>
+          </a:effectRef>
+          <a:fontRef idx="minor">
+            <a:schemeClr val="tx1"/>
+          </a:fontRef>
+        </p:style>
+      </p:cxnSp>
+      <p:sp>
+        <p:nvSpPr>
+          <p:cNvPr id="19" name="Oval 18">
+            <a:extLst>
+              <a:ext uri="{FF2B5EF4-FFF2-40B4-BE49-F238E27FC236}">
+                <a16:creationId xmlns:a16="http://schemas.microsoft.com/office/drawing/2014/main" id="{37C7074A-78D3-443D-8046-07F5E7AE52DC}"/>
+              </a:ext>
+            </a:extLst>
+          </p:cNvPr>
+          <p:cNvSpPr/>
+          <p:nvPr/>
+        </p:nvSpPr>
+        <p:spPr>
+          <a:xfrm>
+            <a:off x="7581200" y="3490126"/>
+            <a:ext cx="142613" cy="151002"/>
+          </a:xfrm>
+          <a:prstGeom prst="ellipse">
+            <a:avLst/>
+          </a:prstGeom>
+          <a:solidFill>
+            <a:srgbClr val="FFC000"/>
+          </a:solidFill>
+        </p:spPr>
+        <p:style>
+          <a:lnRef idx="2">
+            <a:schemeClr val="accent1">
+              <a:shade val="50000"/>
+            </a:schemeClr>
+          </a:lnRef>
+          <a:fillRef idx="1">
+            <a:schemeClr val="accent1"/>
+          </a:fillRef>
+          <a:effectRef idx="0">
+            <a:schemeClr val="accent1"/>
+          </a:effectRef>
+          <a:fontRef idx="minor">
+            <a:schemeClr val="lt1"/>
+          </a:fontRef>
+        </p:style>
+        <p:txBody>
+          <a:bodyPr rtlCol="0" anchor="ctr"/>
+          <a:lstStyle/>
+          <a:p>
+            <a:pPr algn="ctr"/>
+            <a:endParaRPr lang="en-US"/>
+          </a:p>
+        </p:txBody>
+      </p:sp>
+      <p:cxnSp>
+        <p:nvCxnSpPr>
+          <p:cNvPr id="20" name="Straight Connector 19">
+            <a:extLst>
+              <a:ext uri="{FF2B5EF4-FFF2-40B4-BE49-F238E27FC236}">
+                <a16:creationId xmlns:a16="http://schemas.microsoft.com/office/drawing/2014/main" id="{4AD1F385-CF6A-48C1-B121-AF8D61F163F6}"/>
+              </a:ext>
+            </a:extLst>
+          </p:cNvPr>
+          <p:cNvCxnSpPr>
+            <a:cxnSpLocks/>
+          </p:cNvCxnSpPr>
+          <p:nvPr/>
+        </p:nvCxnSpPr>
+        <p:spPr>
+          <a:xfrm>
+            <a:off x="6968803" y="2487137"/>
+            <a:ext cx="1367405" cy="2156980"/>
+          </a:xfrm>
+          <a:prstGeom prst="line">
+            <a:avLst/>
+          </a:prstGeom>
+          <a:ln>
+            <a:solidFill>
+              <a:srgbClr val="FF0000"/>
+            </a:solidFill>
+          </a:ln>
+        </p:spPr>
+        <p:style>
+          <a:lnRef idx="1">
+            <a:schemeClr val="dk1"/>
+          </a:lnRef>
+          <a:fillRef idx="0">
+            <a:schemeClr val="dk1"/>
+          </a:fillRef>
+          <a:effectRef idx="0">
+            <a:schemeClr val="dk1"/>
+          </a:effectRef>
+          <a:fontRef idx="minor">
+            <a:schemeClr val="tx1"/>
+          </a:fontRef>
+        </p:style>
+      </p:cxnSp>
+      <p:sp>
+        <p:nvSpPr>
+          <p:cNvPr id="27" name="Oval 26">
+            <a:extLst>
+              <a:ext uri="{FF2B5EF4-FFF2-40B4-BE49-F238E27FC236}">
+                <a16:creationId xmlns:a16="http://schemas.microsoft.com/office/drawing/2014/main" id="{4722C651-D951-4929-B673-14E2DA3451A6}"/>
+              </a:ext>
+            </a:extLst>
+          </p:cNvPr>
+          <p:cNvSpPr/>
+          <p:nvPr/>
+        </p:nvSpPr>
+        <p:spPr>
+          <a:xfrm>
+            <a:off x="8732933" y="4594010"/>
+            <a:ext cx="167772" cy="171164"/>
+          </a:xfrm>
+          <a:prstGeom prst="ellipse">
+            <a:avLst/>
+          </a:prstGeom>
+        </p:spPr>
+        <p:style>
+          <a:lnRef idx="2">
+            <a:schemeClr val="accent6">
+              <a:shade val="50000"/>
+            </a:schemeClr>
+          </a:lnRef>
+          <a:fillRef idx="1">
+            <a:schemeClr val="accent6"/>
+          </a:fillRef>
+          <a:effectRef idx="0">
+            <a:schemeClr val="accent6"/>
+          </a:effectRef>
+          <a:fontRef idx="minor">
+            <a:schemeClr val="lt1"/>
+          </a:fontRef>
+        </p:style>
+        <p:txBody>
+          <a:bodyPr rtlCol="0" anchor="ctr"/>
+          <a:lstStyle/>
+          <a:p>
+            <a:pPr algn="ctr"/>
+            <a:endParaRPr lang="en-US"/>
+          </a:p>
+        </p:txBody>
+      </p:sp>
+    </p:spTree>
+    <p:extLst>
+      <p:ext uri="{BB962C8B-B14F-4D97-AF65-F5344CB8AC3E}">
+        <p14:creationId xmlns:p14="http://schemas.microsoft.com/office/powerpoint/2010/main" val="8563396"/>
+      </p:ext>
+    </p:extLst>
+  </p:cSld>
+  <p:clrMapOvr>
+    <a:masterClrMapping/>
+  </p:clrMapOvr>
+</p:sld>
+</file>
+
+<file path=ppt/slides/slide12.xml><?xml version="1.0" encoding="utf-8"?>
+<p:sld xmlns:a="http://schemas.openxmlformats.org/drawingml/2006/main" xmlns:r="http://schemas.openxmlformats.org/officeDocument/2006/relationships" xmlns:p="http://schemas.openxmlformats.org/presentationml/2006/main">
+  <p:cSld>
+    <p:spTree>
+      <p:nvGrpSpPr>
+        <p:cNvPr id="1" name=""/>
+        <p:cNvGrpSpPr/>
+        <p:nvPr/>
+      </p:nvGrpSpPr>
+      <p:grpSpPr>
+        <a:xfrm>
+          <a:off x="0" y="0"/>
+          <a:ext cx="0" cy="0"/>
+          <a:chOff x="0" y="0"/>
+          <a:chExt cx="0" cy="0"/>
+        </a:xfrm>
+      </p:grpSpPr>
+      <p:sp>
+        <p:nvSpPr>
+          <p:cNvPr id="2" name="Title 1">
+            <a:extLst>
+              <a:ext uri="{FF2B5EF4-FFF2-40B4-BE49-F238E27FC236}">
+                <a16:creationId xmlns:a16="http://schemas.microsoft.com/office/drawing/2014/main" id="{8EFF99CD-BD1F-44C2-810D-044E2DA7ABB2}"/>
+              </a:ext>
+            </a:extLst>
+          </p:cNvPr>
+          <p:cNvSpPr>
+            <a:spLocks noGrp="1"/>
+          </p:cNvSpPr>
+          <p:nvPr>
+            <p:ph type="title"/>
+          </p:nvPr>
+        </p:nvSpPr>
+        <p:spPr/>
+        <p:txBody>
+          <a:bodyPr/>
+          <a:lstStyle/>
+          <a:p>
+            <a:pPr algn="ctr"/>
+            <a:r>
+              <a:rPr lang="en-US" dirty="0"/>
+              <a:t>A Plan of Action</a:t>
+            </a:r>
+          </a:p>
+        </p:txBody>
+      </p:sp>
+      <p:pic>
+        <p:nvPicPr>
+          <p:cNvPr id="5" name="Picture 4">
+            <a:extLst>
+              <a:ext uri="{FF2B5EF4-FFF2-40B4-BE49-F238E27FC236}">
+                <a16:creationId xmlns:a16="http://schemas.microsoft.com/office/drawing/2014/main" id="{1F16B3C9-3346-4D18-8C9A-07D5FE6239F6}"/>
+              </a:ext>
+            </a:extLst>
+          </p:cNvPr>
+          <p:cNvPicPr>
+            <a:picLocks noChangeAspect="1"/>
+          </p:cNvPicPr>
+          <p:nvPr/>
+        </p:nvPicPr>
+        <p:blipFill>
+          <a:blip r:embed="rId2">
+            <a:extLst>
+              <a:ext uri="{28A0092B-C50C-407E-A947-70E740481C1C}">
+                <a14:useLocalDpi xmlns:a14="http://schemas.microsoft.com/office/drawing/2010/main" val="0"/>
+              </a:ext>
+            </a:extLst>
+          </a:blip>
+          <a:stretch>
+            <a:fillRect/>
+          </a:stretch>
+        </p:blipFill>
+        <p:spPr>
+          <a:xfrm>
+            <a:off x="3048000" y="1570838"/>
+            <a:ext cx="6096000" cy="4572000"/>
+          </a:xfrm>
+          <a:prstGeom prst="rect">
+            <a:avLst/>
+          </a:prstGeom>
+        </p:spPr>
+      </p:pic>
+    </p:spTree>
+    <p:extLst>
+      <p:ext uri="{BB962C8B-B14F-4D97-AF65-F5344CB8AC3E}">
+        <p14:creationId xmlns:p14="http://schemas.microsoft.com/office/powerpoint/2010/main" val="3239738299"/>
+      </p:ext>
+    </p:extLst>
+  </p:cSld>
+  <p:clrMapOvr>
+    <a:masterClrMapping/>
+  </p:clrMapOvr>
+</p:sld>
+</file>
+
+<file path=ppt/slides/slide13.xml><?xml version="1.0" encoding="utf-8"?>
+<p:sld xmlns:a="http://schemas.openxmlformats.org/drawingml/2006/main" xmlns:r="http://schemas.openxmlformats.org/officeDocument/2006/relationships" xmlns:p="http://schemas.openxmlformats.org/presentationml/2006/main">
+  <p:cSld>
+    <p:spTree>
+      <p:nvGrpSpPr>
+        <p:cNvPr id="1" name=""/>
+        <p:cNvGrpSpPr/>
+        <p:nvPr/>
+      </p:nvGrpSpPr>
+      <p:grpSpPr>
+        <a:xfrm>
+          <a:off x="0" y="0"/>
+          <a:ext cx="0" cy="0"/>
+          <a:chOff x="0" y="0"/>
+          <a:chExt cx="0" cy="0"/>
+        </a:xfrm>
+      </p:grpSpPr>
+      <p:sp>
+        <p:nvSpPr>
           <p:cNvPr id="2" name="Title 1">
             <a:extLst>
               <a:ext uri="{FF2B5EF4-FFF2-40B4-BE49-F238E27FC236}">
@@ -18279,6 +19997,244 @@
 <file path=ppt/slides/slide3.xml><?xml version="1.0" encoding="utf-8"?>
 <p:sld xmlns:a="http://schemas.openxmlformats.org/drawingml/2006/main" xmlns:r="http://schemas.openxmlformats.org/officeDocument/2006/relationships" xmlns:p="http://schemas.openxmlformats.org/presentationml/2006/main">
   <p:cSld>
+    <p:bg>
+      <p:bgPr>
+        <a:solidFill>
+          <a:schemeClr val="bg1"/>
+        </a:solidFill>
+        <a:effectLst/>
+      </p:bgPr>
+    </p:bg>
+    <p:spTree>
+      <p:nvGrpSpPr>
+        <p:cNvPr id="1" name=""/>
+        <p:cNvGrpSpPr/>
+        <p:nvPr/>
+      </p:nvGrpSpPr>
+      <p:grpSpPr>
+        <a:xfrm>
+          <a:off x="0" y="0"/>
+          <a:ext cx="0" cy="0"/>
+          <a:chOff x="0" y="0"/>
+          <a:chExt cx="0" cy="0"/>
+        </a:xfrm>
+      </p:grpSpPr>
+      <p:sp>
+        <p:nvSpPr>
+          <p:cNvPr id="73" name="Rectangle 72">
+            <a:extLst>
+              <a:ext uri="{FF2B5EF4-FFF2-40B4-BE49-F238E27FC236}">
+                <a16:creationId xmlns:a16="http://schemas.microsoft.com/office/drawing/2014/main" id="{A4AC5506-6312-4701-8D3C-40187889A947}"/>
+              </a:ext>
+              <a:ext uri="{C183D7F6-B498-43B3-948B-1728B52AA6E4}">
+                <adec:decorative xmlns:adec="http://schemas.microsoft.com/office/drawing/2017/decorative" val="1"/>
+              </a:ext>
+            </a:extLst>
+          </p:cNvPr>
+          <p:cNvSpPr>
+            <a:spLocks noGrp="1" noRot="1" noChangeAspect="1" noMove="1" noResize="1" noEditPoints="1" noAdjustHandles="1" noChangeArrowheads="1" noChangeShapeType="1" noTextEdit="1"/>
+          </p:cNvSpPr>
+          <p:nvPr>
+            <p:extLst>
+              <p:ext uri="{386F3935-93C4-4BCD-93E2-E3B085C9AB24}">
+                <p16:designElem xmlns:p16="http://schemas.microsoft.com/office/powerpoint/2015/main" val="1"/>
+              </p:ext>
+            </p:extLst>
+          </p:nvPr>
+        </p:nvSpPr>
+        <p:spPr>
+          <a:xfrm>
+            <a:off x="0" y="651752"/>
+            <a:ext cx="12192000" cy="736551"/>
+          </a:xfrm>
+          <a:prstGeom prst="rect">
+            <a:avLst/>
+          </a:prstGeom>
+          <a:solidFill>
+            <a:schemeClr val="tx1"/>
+          </a:solidFill>
+          <a:ln>
+            <a:noFill/>
+          </a:ln>
+        </p:spPr>
+        <p:style>
+          <a:lnRef idx="2">
+            <a:schemeClr val="accent1">
+              <a:shade val="50000"/>
+            </a:schemeClr>
+          </a:lnRef>
+          <a:fillRef idx="1">
+            <a:schemeClr val="accent1"/>
+          </a:fillRef>
+          <a:effectRef idx="0">
+            <a:schemeClr val="accent1"/>
+          </a:effectRef>
+          <a:fontRef idx="minor">
+            <a:schemeClr val="lt1"/>
+          </a:fontRef>
+        </p:style>
+        <p:txBody>
+          <a:bodyPr rtlCol="0" anchor="ctr"/>
+          <a:lstStyle/>
+          <a:p>
+            <a:pPr algn="ctr"/>
+            <a:endParaRPr lang="en-US"/>
+          </a:p>
+        </p:txBody>
+      </p:sp>
+      <p:sp>
+        <p:nvSpPr>
+          <p:cNvPr id="2" name="Title 1">
+            <a:extLst>
+              <a:ext uri="{FF2B5EF4-FFF2-40B4-BE49-F238E27FC236}">
+                <a16:creationId xmlns:a16="http://schemas.microsoft.com/office/drawing/2014/main" id="{BABA70DD-7429-4057-986E-A47D9380AF33}"/>
+              </a:ext>
+            </a:extLst>
+          </p:cNvPr>
+          <p:cNvSpPr>
+            <a:spLocks noGrp="1"/>
+          </p:cNvSpPr>
+          <p:nvPr>
+            <p:ph type="title"/>
+          </p:nvPr>
+        </p:nvSpPr>
+        <p:spPr>
+          <a:xfrm>
+            <a:off x="556532" y="643467"/>
+            <a:ext cx="11210925" cy="744836"/>
+          </a:xfrm>
+        </p:spPr>
+        <p:txBody>
+          <a:bodyPr vert="horz" lIns="91440" tIns="45720" rIns="91440" bIns="45720" rtlCol="0" anchor="ctr">
+            <a:normAutofit/>
+          </a:bodyPr>
+          <a:lstStyle/>
+          <a:p>
+            <a:pPr algn="ctr"/>
+            <a:r>
+              <a:rPr lang="en-US" sz="3000" kern="1200">
+                <a:solidFill>
+                  <a:schemeClr val="bg1"/>
+                </a:solidFill>
+                <a:latin typeface="+mj-lt"/>
+                <a:ea typeface="+mj-ea"/>
+                <a:cs typeface="+mj-cs"/>
+              </a:rPr>
+              <a:t>API Data from National Interagency Fire Center’s Wildfire Perimeter API</a:t>
+            </a:r>
+          </a:p>
+        </p:txBody>
+      </p:sp>
+      <p:pic>
+        <p:nvPicPr>
+          <p:cNvPr id="2050" name="Picture 2" descr="A close up of a map&#10;&#10;Description automatically generated">
+            <a:extLst>
+              <a:ext uri="{FF2B5EF4-FFF2-40B4-BE49-F238E27FC236}">
+                <a16:creationId xmlns:a16="http://schemas.microsoft.com/office/drawing/2014/main" id="{DE39D1A8-2A7B-4D3B-912F-9CC0BFA93BC6}"/>
+              </a:ext>
+            </a:extLst>
+          </p:cNvPr>
+          <p:cNvPicPr>
+            <a:picLocks noGrp="1" noChangeAspect="1" noChangeArrowheads="1"/>
+          </p:cNvPicPr>
+          <p:nvPr>
+            <p:ph idx="1"/>
+          </p:nvPr>
+        </p:nvPicPr>
+        <p:blipFill>
+          <a:blip r:embed="rId2">
+            <a:extLst>
+              <a:ext uri="{28A0092B-C50C-407E-A947-70E740481C1C}">
+                <a14:useLocalDpi xmlns:a14="http://schemas.microsoft.com/office/drawing/2010/main" val="0"/>
+              </a:ext>
+            </a:extLst>
+          </a:blip>
+          <a:srcRect/>
+          <a:stretch>
+            <a:fillRect/>
+          </a:stretch>
+        </p:blipFill>
+        <p:spPr bwMode="auto">
+          <a:xfrm>
+            <a:off x="4222750" y="1774825"/>
+            <a:ext cx="7283450" cy="4194175"/>
+          </a:xfrm>
+          <a:prstGeom prst="rect">
+            <a:avLst/>
+          </a:prstGeom>
+          <a:extLst>
+            <a:ext uri="{909E8E84-426E-40DD-AFC4-6F175D3DCCD1}">
+              <a14:hiddenFill xmlns:a14="http://schemas.microsoft.com/office/drawing/2010/main">
+                <a:solidFill>
+                  <a:srgbClr val="FFFFFF"/>
+                </a:solidFill>
+              </a14:hiddenFill>
+            </a:ext>
+          </a:extLst>
+        </p:spPr>
+      </p:pic>
+      <p:pic>
+        <p:nvPicPr>
+          <p:cNvPr id="2052" name="Picture 4" descr="A screenshot of a cell phone&#10;&#10;Description automatically generated">
+            <a:extLst>
+              <a:ext uri="{FF2B5EF4-FFF2-40B4-BE49-F238E27FC236}">
+                <a16:creationId xmlns:a16="http://schemas.microsoft.com/office/drawing/2014/main" id="{6BEB640A-DF85-442E-8208-DD5945ED3BFA}"/>
+              </a:ext>
+            </a:extLst>
+          </p:cNvPr>
+          <p:cNvPicPr>
+            <a:picLocks noChangeAspect="1" noChangeArrowheads="1"/>
+          </p:cNvPicPr>
+          <p:nvPr/>
+        </p:nvPicPr>
+        <p:blipFill>
+          <a:blip r:embed="rId3">
+            <a:extLst>
+              <a:ext uri="{28A0092B-C50C-407E-A947-70E740481C1C}">
+                <a14:useLocalDpi xmlns:a14="http://schemas.microsoft.com/office/drawing/2010/main" val="0"/>
+              </a:ext>
+            </a:extLst>
+          </a:blip>
+          <a:srcRect/>
+          <a:stretch>
+            <a:fillRect/>
+          </a:stretch>
+        </p:blipFill>
+        <p:spPr bwMode="auto">
+          <a:xfrm>
+            <a:off x="684213" y="1774825"/>
+            <a:ext cx="3455988" cy="4194175"/>
+          </a:xfrm>
+          <a:prstGeom prst="rect">
+            <a:avLst/>
+          </a:prstGeom>
+          <a:extLst>
+            <a:ext uri="{909E8E84-426E-40DD-AFC4-6F175D3DCCD1}">
+              <a14:hiddenFill xmlns:a14="http://schemas.microsoft.com/office/drawing/2010/main">
+                <a:solidFill>
+                  <a:srgbClr val="FFFFFF"/>
+                </a:solidFill>
+              </a14:hiddenFill>
+            </a:ext>
+          </a:extLst>
+        </p:spPr>
+      </p:pic>
+    </p:spTree>
+    <p:extLst>
+      <p:ext uri="{BB962C8B-B14F-4D97-AF65-F5344CB8AC3E}">
+        <p14:creationId xmlns:p14="http://schemas.microsoft.com/office/powerpoint/2010/main" val="3641088455"/>
+      </p:ext>
+    </p:extLst>
+  </p:cSld>
+  <p:clrMapOvr>
+    <a:masterClrMapping/>
+  </p:clrMapOvr>
+</p:sld>
+</file>
+
+<file path=ppt/slides/slide4.xml><?xml version="1.0" encoding="utf-8"?>
+<p:sld xmlns:a="http://schemas.openxmlformats.org/drawingml/2006/main" xmlns:r="http://schemas.openxmlformats.org/officeDocument/2006/relationships" xmlns:p="http://schemas.openxmlformats.org/presentationml/2006/main">
+  <p:cSld>
     <p:spTree>
       <p:nvGrpSpPr>
         <p:cNvPr id="1" name=""/>
@@ -18322,7 +20278,7 @@
             <a:pPr algn="ctr"/>
             <a:r>
               <a:rPr lang="en-US" dirty="0"/>
-              <a:t>There’s a Wild Fire Near You!</a:t>
+              <a:t>There’s a Wildfire Near You!</a:t>
             </a:r>
           </a:p>
         </p:txBody>
@@ -19318,7 +21274,7 @@
 </p:sld>
 </file>
 
-<file path=ppt/slides/slide4.xml><?xml version="1.0" encoding="utf-8"?>
+<file path=ppt/slides/slide5.xml><?xml version="1.0" encoding="utf-8"?>
 <p:sld xmlns:a="http://schemas.openxmlformats.org/drawingml/2006/main" xmlns:r="http://schemas.openxmlformats.org/officeDocument/2006/relationships" xmlns:p="http://schemas.openxmlformats.org/presentationml/2006/main">
   <p:cSld>
     <p:spTree>
@@ -19422,7 +21378,7 @@
 </p:sld>
 </file>
 
-<file path=ppt/slides/slide5.xml><?xml version="1.0" encoding="utf-8"?>
+<file path=ppt/slides/slide6.xml><?xml version="1.0" encoding="utf-8"?>
 <p:sld xmlns:a="http://schemas.openxmlformats.org/drawingml/2006/main" xmlns:r="http://schemas.openxmlformats.org/officeDocument/2006/relationships" xmlns:p="http://schemas.openxmlformats.org/presentationml/2006/main">
   <p:cSld>
     <p:spTree>
@@ -23250,7 +25206,231 @@
 </p:sld>
 </file>
 
-<file path=ppt/slides/slide6.xml><?xml version="1.0" encoding="utf-8"?>
+<file path=ppt/slides/slide7.xml><?xml version="1.0" encoding="utf-8"?>
+<p:sld xmlns:a="http://schemas.openxmlformats.org/drawingml/2006/main" xmlns:r="http://schemas.openxmlformats.org/officeDocument/2006/relationships" xmlns:p="http://schemas.openxmlformats.org/presentationml/2006/main">
+  <p:cSld>
+    <p:spTree>
+      <p:nvGrpSpPr>
+        <p:cNvPr id="1" name=""/>
+        <p:cNvGrpSpPr/>
+        <p:nvPr/>
+      </p:nvGrpSpPr>
+      <p:grpSpPr>
+        <a:xfrm>
+          <a:off x="0" y="0"/>
+          <a:ext cx="0" cy="0"/>
+          <a:chOff x="0" y="0"/>
+          <a:chExt cx="0" cy="0"/>
+        </a:xfrm>
+      </p:grpSpPr>
+      <p:sp>
+        <p:nvSpPr>
+          <p:cNvPr id="2" name="Title 1">
+            <a:extLst>
+              <a:ext uri="{FF2B5EF4-FFF2-40B4-BE49-F238E27FC236}">
+                <a16:creationId xmlns:a16="http://schemas.microsoft.com/office/drawing/2014/main" id="{6DFA7F5A-244C-4F41-849D-E20E876D5AB7}"/>
+              </a:ext>
+            </a:extLst>
+          </p:cNvPr>
+          <p:cNvSpPr>
+            <a:spLocks noGrp="1"/>
+          </p:cNvSpPr>
+          <p:nvPr>
+            <p:ph type="title"/>
+          </p:nvPr>
+        </p:nvSpPr>
+        <p:spPr/>
+        <p:txBody>
+          <a:bodyPr/>
+          <a:lstStyle/>
+          <a:p>
+            <a:pPr algn="ctr"/>
+            <a:r>
+              <a:rPr lang="en-US" dirty="0"/>
+              <a:t>IBM </a:t>
+            </a:r>
+            <a:r>
+              <a:rPr lang="en-US" dirty="0" err="1"/>
+              <a:t>AutoAI</a:t>
+            </a:r>
+            <a:r>
+              <a:rPr lang="en-US" dirty="0"/>
+              <a:t> Pipeline Comparison</a:t>
+            </a:r>
+          </a:p>
+        </p:txBody>
+      </p:sp>
+      <p:pic>
+        <p:nvPicPr>
+          <p:cNvPr id="3074" name="Picture 2">
+            <a:extLst>
+              <a:ext uri="{FF2B5EF4-FFF2-40B4-BE49-F238E27FC236}">
+                <a16:creationId xmlns:a16="http://schemas.microsoft.com/office/drawing/2014/main" id="{DE34FBE3-1BE9-4B64-BB62-8F9482FAD6FB}"/>
+              </a:ext>
+            </a:extLst>
+          </p:cNvPr>
+          <p:cNvPicPr>
+            <a:picLocks noGrp="1" noChangeAspect="1" noChangeArrowheads="1"/>
+          </p:cNvPicPr>
+          <p:nvPr>
+            <p:ph idx="1"/>
+          </p:nvPr>
+        </p:nvPicPr>
+        <p:blipFill>
+          <a:blip r:embed="rId2">
+            <a:extLst>
+              <a:ext uri="{28A0092B-C50C-407E-A947-70E740481C1C}">
+                <a14:useLocalDpi xmlns:a14="http://schemas.microsoft.com/office/drawing/2010/main" val="0"/>
+              </a:ext>
+            </a:extLst>
+          </a:blip>
+          <a:srcRect/>
+          <a:stretch>
+            <a:fillRect/>
+          </a:stretch>
+        </p:blipFill>
+        <p:spPr bwMode="auto">
+          <a:xfrm>
+            <a:off x="838200" y="2172018"/>
+            <a:ext cx="10515600" cy="3658552"/>
+          </a:xfrm>
+          <a:prstGeom prst="rect">
+            <a:avLst/>
+          </a:prstGeom>
+          <a:noFill/>
+          <a:extLst>
+            <a:ext uri="{909E8E84-426E-40DD-AFC4-6F175D3DCCD1}">
+              <a14:hiddenFill xmlns:a14="http://schemas.microsoft.com/office/drawing/2010/main">
+                <a:solidFill>
+                  <a:srgbClr val="FFFFFF"/>
+                </a:solidFill>
+              </a14:hiddenFill>
+            </a:ext>
+          </a:extLst>
+        </p:spPr>
+      </p:pic>
+    </p:spTree>
+    <p:extLst>
+      <p:ext uri="{BB962C8B-B14F-4D97-AF65-F5344CB8AC3E}">
+        <p14:creationId xmlns:p14="http://schemas.microsoft.com/office/powerpoint/2010/main" val="2602882620"/>
+      </p:ext>
+    </p:extLst>
+  </p:cSld>
+  <p:clrMapOvr>
+    <a:masterClrMapping/>
+  </p:clrMapOvr>
+</p:sld>
+</file>
+
+<file path=ppt/slides/slide8.xml><?xml version="1.0" encoding="utf-8"?>
+<p:sld xmlns:a="http://schemas.openxmlformats.org/drawingml/2006/main" xmlns:r="http://schemas.openxmlformats.org/officeDocument/2006/relationships" xmlns:p="http://schemas.openxmlformats.org/presentationml/2006/main">
+  <p:cSld>
+    <p:spTree>
+      <p:nvGrpSpPr>
+        <p:cNvPr id="1" name=""/>
+        <p:cNvGrpSpPr/>
+        <p:nvPr/>
+      </p:nvGrpSpPr>
+      <p:grpSpPr>
+        <a:xfrm>
+          <a:off x="0" y="0"/>
+          <a:ext cx="0" cy="0"/>
+          <a:chOff x="0" y="0"/>
+          <a:chExt cx="0" cy="0"/>
+        </a:xfrm>
+      </p:grpSpPr>
+      <p:sp>
+        <p:nvSpPr>
+          <p:cNvPr id="2" name="Title 1">
+            <a:extLst>
+              <a:ext uri="{FF2B5EF4-FFF2-40B4-BE49-F238E27FC236}">
+                <a16:creationId xmlns:a16="http://schemas.microsoft.com/office/drawing/2014/main" id="{5E0200CD-4194-43C5-AC08-1D31AE3BECD5}"/>
+              </a:ext>
+            </a:extLst>
+          </p:cNvPr>
+          <p:cNvSpPr>
+            <a:spLocks noGrp="1"/>
+          </p:cNvSpPr>
+          <p:nvPr>
+            <p:ph type="title"/>
+          </p:nvPr>
+        </p:nvSpPr>
+        <p:spPr/>
+        <p:txBody>
+          <a:bodyPr/>
+          <a:lstStyle/>
+          <a:p>
+            <a:pPr algn="ctr"/>
+            <a:r>
+              <a:rPr lang="en-US" dirty="0"/>
+              <a:t>Representation of Map Training Data over Wildfire Region</a:t>
+            </a:r>
+          </a:p>
+        </p:txBody>
+      </p:sp>
+      <p:pic>
+        <p:nvPicPr>
+          <p:cNvPr id="1026" name="Picture 2">
+            <a:extLst>
+              <a:ext uri="{FF2B5EF4-FFF2-40B4-BE49-F238E27FC236}">
+                <a16:creationId xmlns:a16="http://schemas.microsoft.com/office/drawing/2014/main" id="{13F3E7B3-6CBE-496B-9004-BD1C51AE4CA4}"/>
+              </a:ext>
+            </a:extLst>
+          </p:cNvPr>
+          <p:cNvPicPr>
+            <a:picLocks noGrp="1" noChangeAspect="1" noChangeArrowheads="1"/>
+          </p:cNvPicPr>
+          <p:nvPr>
+            <p:ph idx="1"/>
+          </p:nvPr>
+        </p:nvPicPr>
+        <p:blipFill>
+          <a:blip r:embed="rId2">
+            <a:extLst>
+              <a:ext uri="{28A0092B-C50C-407E-A947-70E740481C1C}">
+                <a14:useLocalDpi xmlns:a14="http://schemas.microsoft.com/office/drawing/2010/main" val="0"/>
+              </a:ext>
+            </a:extLst>
+          </a:blip>
+          <a:srcRect/>
+          <a:stretch>
+            <a:fillRect/>
+          </a:stretch>
+        </p:blipFill>
+        <p:spPr bwMode="auto">
+          <a:xfrm>
+            <a:off x="2348436" y="1825625"/>
+            <a:ext cx="7495127" cy="4351338"/>
+          </a:xfrm>
+          <a:prstGeom prst="rect">
+            <a:avLst/>
+          </a:prstGeom>
+          <a:noFill/>
+          <a:extLst>
+            <a:ext uri="{909E8E84-426E-40DD-AFC4-6F175D3DCCD1}">
+              <a14:hiddenFill xmlns:a14="http://schemas.microsoft.com/office/drawing/2010/main">
+                <a:solidFill>
+                  <a:srgbClr val="FFFFFF"/>
+                </a:solidFill>
+              </a14:hiddenFill>
+            </a:ext>
+          </a:extLst>
+        </p:spPr>
+      </p:pic>
+    </p:spTree>
+    <p:extLst>
+      <p:ext uri="{BB962C8B-B14F-4D97-AF65-F5344CB8AC3E}">
+        <p14:creationId xmlns:p14="http://schemas.microsoft.com/office/powerpoint/2010/main" val="3057905084"/>
+      </p:ext>
+    </p:extLst>
+  </p:cSld>
+  <p:clrMapOvr>
+    <a:masterClrMapping/>
+  </p:clrMapOvr>
+</p:sld>
+</file>
+
+<file path=ppt/slides/slide9.xml><?xml version="1.0" encoding="utf-8"?>
 <p:sld xmlns:a="http://schemas.openxmlformats.org/drawingml/2006/main" xmlns:r="http://schemas.openxmlformats.org/officeDocument/2006/relationships" xmlns:p="http://schemas.openxmlformats.org/presentationml/2006/main">
   <p:cSld>
     <p:spTree>
@@ -23345,1716 +25525,6 @@
     <p:extLst>
       <p:ext uri="{BB962C8B-B14F-4D97-AF65-F5344CB8AC3E}">
         <p14:creationId xmlns:p14="http://schemas.microsoft.com/office/powerpoint/2010/main" val="3213737585"/>
-      </p:ext>
-    </p:extLst>
-  </p:cSld>
-  <p:clrMapOvr>
-    <a:masterClrMapping/>
-  </p:clrMapOvr>
-</p:sld>
-</file>
-
-<file path=ppt/slides/slide7.xml><?xml version="1.0" encoding="utf-8"?>
-<p:sld xmlns:a="http://schemas.openxmlformats.org/drawingml/2006/main" xmlns:r="http://schemas.openxmlformats.org/officeDocument/2006/relationships" xmlns:p="http://schemas.openxmlformats.org/presentationml/2006/main">
-  <p:cSld>
-    <p:spTree>
-      <p:nvGrpSpPr>
-        <p:cNvPr id="1" name=""/>
-        <p:cNvGrpSpPr/>
-        <p:nvPr/>
-      </p:nvGrpSpPr>
-      <p:grpSpPr>
-        <a:xfrm>
-          <a:off x="0" y="0"/>
-          <a:ext cx="0" cy="0"/>
-          <a:chOff x="0" y="0"/>
-          <a:chExt cx="0" cy="0"/>
-        </a:xfrm>
-      </p:grpSpPr>
-      <p:sp>
-        <p:nvSpPr>
-          <p:cNvPr id="21" name="Oval 20">
-            <a:extLst>
-              <a:ext uri="{FF2B5EF4-FFF2-40B4-BE49-F238E27FC236}">
-                <a16:creationId xmlns:a16="http://schemas.microsoft.com/office/drawing/2014/main" id="{B7C88D20-DD64-4245-9A64-EC886B2FF00D}"/>
-              </a:ext>
-            </a:extLst>
-          </p:cNvPr>
-          <p:cNvSpPr/>
-          <p:nvPr/>
-        </p:nvSpPr>
-        <p:spPr>
-          <a:xfrm>
-            <a:off x="5903520" y="3674378"/>
-            <a:ext cx="812800" cy="812800"/>
-          </a:xfrm>
-          <a:prstGeom prst="ellipse">
-            <a:avLst/>
-          </a:prstGeom>
-          <a:solidFill>
-            <a:srgbClr val="FF0000"/>
-          </a:solidFill>
-        </p:spPr>
-        <p:style>
-          <a:lnRef idx="2">
-            <a:schemeClr val="lt1">
-              <a:hueOff val="0"/>
-              <a:satOff val="0"/>
-              <a:lumOff val="0"/>
-              <a:alphaOff val="0"/>
-            </a:schemeClr>
-          </a:lnRef>
-          <a:fillRef idx="1">
-            <a:scrgbClr r="0" g="0" b="0"/>
-          </a:fillRef>
-          <a:effectRef idx="0">
-            <a:schemeClr val="accent1">
-              <a:hueOff val="0"/>
-              <a:satOff val="0"/>
-              <a:lumOff val="0"/>
-              <a:alphaOff val="0"/>
-            </a:schemeClr>
-          </a:effectRef>
-          <a:fontRef idx="minor">
-            <a:schemeClr val="lt1"/>
-          </a:fontRef>
-        </p:style>
-      </p:sp>
-      <p:sp>
-        <p:nvSpPr>
-          <p:cNvPr id="19" name="Oval 18">
-            <a:extLst>
-              <a:ext uri="{FF2B5EF4-FFF2-40B4-BE49-F238E27FC236}">
-                <a16:creationId xmlns:a16="http://schemas.microsoft.com/office/drawing/2014/main" id="{4D22485A-D6C8-4C35-926E-8C819BFD3571}"/>
-              </a:ext>
-            </a:extLst>
-          </p:cNvPr>
-          <p:cNvSpPr/>
-          <p:nvPr/>
-        </p:nvSpPr>
-        <p:spPr>
-          <a:xfrm>
-            <a:off x="4051417" y="2365230"/>
-            <a:ext cx="4064000" cy="4064000"/>
-          </a:xfrm>
-          <a:prstGeom prst="ellipse">
-            <a:avLst/>
-          </a:prstGeom>
-          <a:solidFill>
-            <a:schemeClr val="accent4"/>
-          </a:solidFill>
-        </p:spPr>
-        <p:style>
-          <a:lnRef idx="2">
-            <a:schemeClr val="lt1">
-              <a:hueOff val="0"/>
-              <a:satOff val="0"/>
-              <a:lumOff val="0"/>
-              <a:alphaOff val="0"/>
-            </a:schemeClr>
-          </a:lnRef>
-          <a:fillRef idx="1">
-            <a:scrgbClr r="0" g="0" b="0"/>
-          </a:fillRef>
-          <a:effectRef idx="0">
-            <a:schemeClr val="accent1">
-              <a:hueOff val="0"/>
-              <a:satOff val="0"/>
-              <a:lumOff val="0"/>
-              <a:alphaOff val="0"/>
-            </a:schemeClr>
-          </a:effectRef>
-          <a:fontRef idx="minor">
-            <a:schemeClr val="lt1"/>
-          </a:fontRef>
-        </p:style>
-      </p:sp>
-      <p:sp>
-        <p:nvSpPr>
-          <p:cNvPr id="20" name="Oval 19">
-            <a:extLst>
-              <a:ext uri="{FF2B5EF4-FFF2-40B4-BE49-F238E27FC236}">
-                <a16:creationId xmlns:a16="http://schemas.microsoft.com/office/drawing/2014/main" id="{E3C72B75-2AEE-4088-A69F-63E5AC32F842}"/>
-              </a:ext>
-            </a:extLst>
-          </p:cNvPr>
-          <p:cNvSpPr/>
-          <p:nvPr/>
-        </p:nvSpPr>
-        <p:spPr>
-          <a:xfrm>
-            <a:off x="4864217" y="3178030"/>
-            <a:ext cx="2438400" cy="2438400"/>
-          </a:xfrm>
-          <a:prstGeom prst="ellipse">
-            <a:avLst/>
-          </a:prstGeom>
-          <a:solidFill>
-            <a:schemeClr val="accent2"/>
-          </a:solidFill>
-        </p:spPr>
-        <p:style>
-          <a:lnRef idx="2">
-            <a:schemeClr val="lt1">
-              <a:hueOff val="0"/>
-              <a:satOff val="0"/>
-              <a:lumOff val="0"/>
-              <a:alphaOff val="0"/>
-            </a:schemeClr>
-          </a:lnRef>
-          <a:fillRef idx="1">
-            <a:scrgbClr r="0" g="0" b="0"/>
-          </a:fillRef>
-          <a:effectRef idx="0">
-            <a:schemeClr val="accent1">
-              <a:hueOff val="0"/>
-              <a:satOff val="0"/>
-              <a:lumOff val="0"/>
-              <a:alphaOff val="0"/>
-            </a:schemeClr>
-          </a:effectRef>
-          <a:fontRef idx="minor">
-            <a:schemeClr val="lt1"/>
-          </a:fontRef>
-        </p:style>
-      </p:sp>
-      <p:sp>
-        <p:nvSpPr>
-          <p:cNvPr id="2" name="Title 1">
-            <a:extLst>
-              <a:ext uri="{FF2B5EF4-FFF2-40B4-BE49-F238E27FC236}">
-                <a16:creationId xmlns:a16="http://schemas.microsoft.com/office/drawing/2014/main" id="{6EA08A74-B400-4ADF-877E-4B1836BCF37A}"/>
-              </a:ext>
-            </a:extLst>
-          </p:cNvPr>
-          <p:cNvSpPr>
-            <a:spLocks noGrp="1"/>
-          </p:cNvSpPr>
-          <p:nvPr>
-            <p:ph type="title"/>
-          </p:nvPr>
-        </p:nvSpPr>
-        <p:spPr/>
-        <p:txBody>
-          <a:bodyPr/>
-          <a:lstStyle/>
-          <a:p>
-            <a:pPr algn="ctr"/>
-            <a:r>
-              <a:rPr lang="en-US" dirty="0"/>
-              <a:t>A Travelling Salesman</a:t>
-            </a:r>
-          </a:p>
-        </p:txBody>
-      </p:sp>
-      <p:sp>
-        <p:nvSpPr>
-          <p:cNvPr id="5" name="Oval 4">
-            <a:extLst>
-              <a:ext uri="{FF2B5EF4-FFF2-40B4-BE49-F238E27FC236}">
-                <a16:creationId xmlns:a16="http://schemas.microsoft.com/office/drawing/2014/main" id="{606965CA-601C-4053-B57F-3F47C9495207}"/>
-              </a:ext>
-            </a:extLst>
-          </p:cNvPr>
-          <p:cNvSpPr/>
-          <p:nvPr/>
-        </p:nvSpPr>
-        <p:spPr>
-          <a:xfrm>
-            <a:off x="5394121" y="3556932"/>
-            <a:ext cx="109057" cy="117446"/>
-          </a:xfrm>
-          <a:prstGeom prst="ellipse">
-            <a:avLst/>
-          </a:prstGeom>
-        </p:spPr>
-        <p:style>
-          <a:lnRef idx="2">
-            <a:schemeClr val="dk1">
-              <a:shade val="50000"/>
-            </a:schemeClr>
-          </a:lnRef>
-          <a:fillRef idx="1">
-            <a:schemeClr val="dk1"/>
-          </a:fillRef>
-          <a:effectRef idx="0">
-            <a:schemeClr val="dk1"/>
-          </a:effectRef>
-          <a:fontRef idx="minor">
-            <a:schemeClr val="lt1"/>
-          </a:fontRef>
-        </p:style>
-        <p:txBody>
-          <a:bodyPr rtlCol="0" anchor="ctr"/>
-          <a:lstStyle/>
-          <a:p>
-            <a:pPr algn="ctr"/>
-            <a:endParaRPr lang="en-US"/>
-          </a:p>
-        </p:txBody>
-      </p:sp>
-      <p:sp>
-        <p:nvSpPr>
-          <p:cNvPr id="6" name="Oval 5">
-            <a:extLst>
-              <a:ext uri="{FF2B5EF4-FFF2-40B4-BE49-F238E27FC236}">
-                <a16:creationId xmlns:a16="http://schemas.microsoft.com/office/drawing/2014/main" id="{672C0FA1-FD65-4C7E-AAAA-CE87FB5AAA8D}"/>
-              </a:ext>
-            </a:extLst>
-          </p:cNvPr>
-          <p:cNvSpPr/>
-          <p:nvPr/>
-        </p:nvSpPr>
-        <p:spPr>
-          <a:xfrm>
-            <a:off x="5546521" y="4497898"/>
-            <a:ext cx="109057" cy="117446"/>
-          </a:xfrm>
-          <a:prstGeom prst="ellipse">
-            <a:avLst/>
-          </a:prstGeom>
-        </p:spPr>
-        <p:style>
-          <a:lnRef idx="2">
-            <a:schemeClr val="dk1">
-              <a:shade val="50000"/>
-            </a:schemeClr>
-          </a:lnRef>
-          <a:fillRef idx="1">
-            <a:schemeClr val="dk1"/>
-          </a:fillRef>
-          <a:effectRef idx="0">
-            <a:schemeClr val="dk1"/>
-          </a:effectRef>
-          <a:fontRef idx="minor">
-            <a:schemeClr val="lt1"/>
-          </a:fontRef>
-        </p:style>
-        <p:txBody>
-          <a:bodyPr rtlCol="0" anchor="ctr"/>
-          <a:lstStyle/>
-          <a:p>
-            <a:pPr algn="ctr"/>
-            <a:endParaRPr lang="en-US"/>
-          </a:p>
-        </p:txBody>
-      </p:sp>
-      <p:sp>
-        <p:nvSpPr>
-          <p:cNvPr id="9" name="Oval 8">
-            <a:extLst>
-              <a:ext uri="{FF2B5EF4-FFF2-40B4-BE49-F238E27FC236}">
-                <a16:creationId xmlns:a16="http://schemas.microsoft.com/office/drawing/2014/main" id="{7E6AD0A6-C5C0-4AA4-A4B4-475704FC39E1}"/>
-              </a:ext>
-            </a:extLst>
-          </p:cNvPr>
-          <p:cNvSpPr/>
-          <p:nvPr/>
-        </p:nvSpPr>
-        <p:spPr>
-          <a:xfrm>
-            <a:off x="6939095" y="3709332"/>
-            <a:ext cx="109057" cy="117446"/>
-          </a:xfrm>
-          <a:prstGeom prst="ellipse">
-            <a:avLst/>
-          </a:prstGeom>
-        </p:spPr>
-        <p:style>
-          <a:lnRef idx="2">
-            <a:schemeClr val="dk1">
-              <a:shade val="50000"/>
-            </a:schemeClr>
-          </a:lnRef>
-          <a:fillRef idx="1">
-            <a:schemeClr val="dk1"/>
-          </a:fillRef>
-          <a:effectRef idx="0">
-            <a:schemeClr val="dk1"/>
-          </a:effectRef>
-          <a:fontRef idx="minor">
-            <a:schemeClr val="lt1"/>
-          </a:fontRef>
-        </p:style>
-        <p:txBody>
-          <a:bodyPr rtlCol="0" anchor="ctr"/>
-          <a:lstStyle/>
-          <a:p>
-            <a:pPr algn="ctr"/>
-            <a:endParaRPr lang="en-US"/>
-          </a:p>
-        </p:txBody>
-      </p:sp>
-      <p:sp>
-        <p:nvSpPr>
-          <p:cNvPr id="10" name="Oval 9">
-            <a:extLst>
-              <a:ext uri="{FF2B5EF4-FFF2-40B4-BE49-F238E27FC236}">
-                <a16:creationId xmlns:a16="http://schemas.microsoft.com/office/drawing/2014/main" id="{320787EF-8268-4BCC-BE30-62B17460881C}"/>
-              </a:ext>
-            </a:extLst>
-          </p:cNvPr>
-          <p:cNvSpPr/>
-          <p:nvPr/>
-        </p:nvSpPr>
-        <p:spPr>
-          <a:xfrm>
-            <a:off x="6754537" y="4892181"/>
-            <a:ext cx="109057" cy="117446"/>
-          </a:xfrm>
-          <a:prstGeom prst="ellipse">
-            <a:avLst/>
-          </a:prstGeom>
-        </p:spPr>
-        <p:style>
-          <a:lnRef idx="2">
-            <a:schemeClr val="dk1">
-              <a:shade val="50000"/>
-            </a:schemeClr>
-          </a:lnRef>
-          <a:fillRef idx="1">
-            <a:schemeClr val="dk1"/>
-          </a:fillRef>
-          <a:effectRef idx="0">
-            <a:schemeClr val="dk1"/>
-          </a:effectRef>
-          <a:fontRef idx="minor">
-            <a:schemeClr val="lt1"/>
-          </a:fontRef>
-        </p:style>
-        <p:txBody>
-          <a:bodyPr rtlCol="0" anchor="ctr"/>
-          <a:lstStyle/>
-          <a:p>
-            <a:pPr algn="ctr"/>
-            <a:endParaRPr lang="en-US"/>
-          </a:p>
-        </p:txBody>
-      </p:sp>
-      <p:sp>
-        <p:nvSpPr>
-          <p:cNvPr id="12" name="Oval 11">
-            <a:extLst>
-              <a:ext uri="{FF2B5EF4-FFF2-40B4-BE49-F238E27FC236}">
-                <a16:creationId xmlns:a16="http://schemas.microsoft.com/office/drawing/2014/main" id="{1E61334D-9699-4F36-B3D8-E5F9E25F9ACE}"/>
-              </a:ext>
-            </a:extLst>
-          </p:cNvPr>
-          <p:cNvSpPr/>
-          <p:nvPr/>
-        </p:nvSpPr>
-        <p:spPr>
-          <a:xfrm>
-            <a:off x="6058250" y="4934126"/>
-            <a:ext cx="109057" cy="117446"/>
-          </a:xfrm>
-          <a:prstGeom prst="ellipse">
-            <a:avLst/>
-          </a:prstGeom>
-        </p:spPr>
-        <p:style>
-          <a:lnRef idx="2">
-            <a:schemeClr val="dk1">
-              <a:shade val="50000"/>
-            </a:schemeClr>
-          </a:lnRef>
-          <a:fillRef idx="1">
-            <a:schemeClr val="dk1"/>
-          </a:fillRef>
-          <a:effectRef idx="0">
-            <a:schemeClr val="dk1"/>
-          </a:effectRef>
-          <a:fontRef idx="minor">
-            <a:schemeClr val="lt1"/>
-          </a:fontRef>
-        </p:style>
-        <p:txBody>
-          <a:bodyPr rtlCol="0" anchor="ctr"/>
-          <a:lstStyle/>
-          <a:p>
-            <a:pPr algn="ctr"/>
-            <a:endParaRPr lang="en-US"/>
-          </a:p>
-        </p:txBody>
-      </p:sp>
-      <p:sp>
-        <p:nvSpPr>
-          <p:cNvPr id="13" name="Oval 12">
-            <a:extLst>
-              <a:ext uri="{FF2B5EF4-FFF2-40B4-BE49-F238E27FC236}">
-                <a16:creationId xmlns:a16="http://schemas.microsoft.com/office/drawing/2014/main" id="{E9C8F2EA-5A09-49DC-AED1-1F816A46F68A}"/>
-              </a:ext>
-            </a:extLst>
-          </p:cNvPr>
-          <p:cNvSpPr/>
-          <p:nvPr/>
-        </p:nvSpPr>
-        <p:spPr>
-          <a:xfrm>
-            <a:off x="5538132" y="2551650"/>
-            <a:ext cx="109057" cy="117446"/>
-          </a:xfrm>
-          <a:prstGeom prst="ellipse">
-            <a:avLst/>
-          </a:prstGeom>
-        </p:spPr>
-        <p:style>
-          <a:lnRef idx="2">
-            <a:schemeClr val="dk1">
-              <a:shade val="50000"/>
-            </a:schemeClr>
-          </a:lnRef>
-          <a:fillRef idx="1">
-            <a:schemeClr val="dk1"/>
-          </a:fillRef>
-          <a:effectRef idx="0">
-            <a:schemeClr val="dk1"/>
-          </a:effectRef>
-          <a:fontRef idx="minor">
-            <a:schemeClr val="lt1"/>
-          </a:fontRef>
-        </p:style>
-        <p:txBody>
-          <a:bodyPr rtlCol="0" anchor="ctr"/>
-          <a:lstStyle/>
-          <a:p>
-            <a:pPr algn="ctr"/>
-            <a:endParaRPr lang="en-US"/>
-          </a:p>
-        </p:txBody>
-      </p:sp>
-      <p:sp>
-        <p:nvSpPr>
-          <p:cNvPr id="14" name="Oval 13">
-            <a:extLst>
-              <a:ext uri="{FF2B5EF4-FFF2-40B4-BE49-F238E27FC236}">
-                <a16:creationId xmlns:a16="http://schemas.microsoft.com/office/drawing/2014/main" id="{68E11E74-14F2-4857-9388-87A564A51332}"/>
-              </a:ext>
-            </a:extLst>
-          </p:cNvPr>
-          <p:cNvSpPr/>
-          <p:nvPr/>
-        </p:nvSpPr>
-        <p:spPr>
-          <a:xfrm>
-            <a:off x="5546521" y="5705914"/>
-            <a:ext cx="109057" cy="117446"/>
-          </a:xfrm>
-          <a:prstGeom prst="ellipse">
-            <a:avLst/>
-          </a:prstGeom>
-        </p:spPr>
-        <p:style>
-          <a:lnRef idx="2">
-            <a:schemeClr val="dk1">
-              <a:shade val="50000"/>
-            </a:schemeClr>
-          </a:lnRef>
-          <a:fillRef idx="1">
-            <a:schemeClr val="dk1"/>
-          </a:fillRef>
-          <a:effectRef idx="0">
-            <a:schemeClr val="dk1"/>
-          </a:effectRef>
-          <a:fontRef idx="minor">
-            <a:schemeClr val="lt1"/>
-          </a:fontRef>
-        </p:style>
-        <p:txBody>
-          <a:bodyPr rtlCol="0" anchor="ctr"/>
-          <a:lstStyle/>
-          <a:p>
-            <a:pPr algn="ctr"/>
-            <a:endParaRPr lang="en-US"/>
-          </a:p>
-        </p:txBody>
-      </p:sp>
-      <p:sp>
-        <p:nvSpPr>
-          <p:cNvPr id="15" name="Oval 14">
-            <a:extLst>
-              <a:ext uri="{FF2B5EF4-FFF2-40B4-BE49-F238E27FC236}">
-                <a16:creationId xmlns:a16="http://schemas.microsoft.com/office/drawing/2014/main" id="{84A5A0B3-A616-44E4-8233-18C325B90CE6}"/>
-              </a:ext>
-            </a:extLst>
-          </p:cNvPr>
-          <p:cNvSpPr/>
-          <p:nvPr/>
-        </p:nvSpPr>
-        <p:spPr>
-          <a:xfrm>
-            <a:off x="4254615" y="4011336"/>
-            <a:ext cx="109057" cy="117446"/>
-          </a:xfrm>
-          <a:prstGeom prst="ellipse">
-            <a:avLst/>
-          </a:prstGeom>
-        </p:spPr>
-        <p:style>
-          <a:lnRef idx="2">
-            <a:schemeClr val="dk1">
-              <a:shade val="50000"/>
-            </a:schemeClr>
-          </a:lnRef>
-          <a:fillRef idx="1">
-            <a:schemeClr val="dk1"/>
-          </a:fillRef>
-          <a:effectRef idx="0">
-            <a:schemeClr val="dk1"/>
-          </a:effectRef>
-          <a:fontRef idx="minor">
-            <a:schemeClr val="lt1"/>
-          </a:fontRef>
-        </p:style>
-        <p:txBody>
-          <a:bodyPr rtlCol="0" anchor="ctr"/>
-          <a:lstStyle/>
-          <a:p>
-            <a:pPr algn="ctr"/>
-            <a:endParaRPr lang="en-US"/>
-          </a:p>
-        </p:txBody>
-      </p:sp>
-      <p:sp>
-        <p:nvSpPr>
-          <p:cNvPr id="16" name="Oval 15">
-            <a:extLst>
-              <a:ext uri="{FF2B5EF4-FFF2-40B4-BE49-F238E27FC236}">
-                <a16:creationId xmlns:a16="http://schemas.microsoft.com/office/drawing/2014/main" id="{1041B337-663E-44B2-900F-17161CA27A02}"/>
-              </a:ext>
-            </a:extLst>
-          </p:cNvPr>
-          <p:cNvSpPr/>
-          <p:nvPr/>
-        </p:nvSpPr>
-        <p:spPr>
-          <a:xfrm>
-            <a:off x="4330116" y="5152240"/>
-            <a:ext cx="109057" cy="117446"/>
-          </a:xfrm>
-          <a:prstGeom prst="ellipse">
-            <a:avLst/>
-          </a:prstGeom>
-        </p:spPr>
-        <p:style>
-          <a:lnRef idx="2">
-            <a:schemeClr val="dk1">
-              <a:shade val="50000"/>
-            </a:schemeClr>
-          </a:lnRef>
-          <a:fillRef idx="1">
-            <a:schemeClr val="dk1"/>
-          </a:fillRef>
-          <a:effectRef idx="0">
-            <a:schemeClr val="dk1"/>
-          </a:effectRef>
-          <a:fontRef idx="minor">
-            <a:schemeClr val="lt1"/>
-          </a:fontRef>
-        </p:style>
-        <p:txBody>
-          <a:bodyPr rtlCol="0" anchor="ctr"/>
-          <a:lstStyle/>
-          <a:p>
-            <a:pPr algn="ctr"/>
-            <a:endParaRPr lang="en-US"/>
-          </a:p>
-        </p:txBody>
-      </p:sp>
-      <p:sp>
-        <p:nvSpPr>
-          <p:cNvPr id="17" name="Oval 16">
-            <a:extLst>
-              <a:ext uri="{FF2B5EF4-FFF2-40B4-BE49-F238E27FC236}">
-                <a16:creationId xmlns:a16="http://schemas.microsoft.com/office/drawing/2014/main" id="{A6891BD4-5BD7-46B6-A55D-6B19F257CB80}"/>
-              </a:ext>
-            </a:extLst>
-          </p:cNvPr>
-          <p:cNvSpPr/>
-          <p:nvPr/>
-        </p:nvSpPr>
-        <p:spPr>
-          <a:xfrm>
-            <a:off x="7786384" y="3709332"/>
-            <a:ext cx="109057" cy="117446"/>
-          </a:xfrm>
-          <a:prstGeom prst="ellipse">
-            <a:avLst/>
-          </a:prstGeom>
-        </p:spPr>
-        <p:style>
-          <a:lnRef idx="2">
-            <a:schemeClr val="dk1">
-              <a:shade val="50000"/>
-            </a:schemeClr>
-          </a:lnRef>
-          <a:fillRef idx="1">
-            <a:schemeClr val="dk1"/>
-          </a:fillRef>
-          <a:effectRef idx="0">
-            <a:schemeClr val="dk1"/>
-          </a:effectRef>
-          <a:fontRef idx="minor">
-            <a:schemeClr val="lt1"/>
-          </a:fontRef>
-        </p:style>
-        <p:txBody>
-          <a:bodyPr rtlCol="0" anchor="ctr"/>
-          <a:lstStyle/>
-          <a:p>
-            <a:pPr algn="ctr"/>
-            <a:endParaRPr lang="en-US"/>
-          </a:p>
-        </p:txBody>
-      </p:sp>
-      <p:sp>
-        <p:nvSpPr>
-          <p:cNvPr id="18" name="Oval 17">
-            <a:extLst>
-              <a:ext uri="{FF2B5EF4-FFF2-40B4-BE49-F238E27FC236}">
-                <a16:creationId xmlns:a16="http://schemas.microsoft.com/office/drawing/2014/main" id="{3D495636-DB21-4CA3-B76A-11E117F23E4C}"/>
-              </a:ext>
-            </a:extLst>
-          </p:cNvPr>
-          <p:cNvSpPr/>
-          <p:nvPr/>
-        </p:nvSpPr>
-        <p:spPr>
-          <a:xfrm>
-            <a:off x="7895441" y="4699234"/>
-            <a:ext cx="109057" cy="117446"/>
-          </a:xfrm>
-          <a:prstGeom prst="ellipse">
-            <a:avLst/>
-          </a:prstGeom>
-        </p:spPr>
-        <p:style>
-          <a:lnRef idx="2">
-            <a:schemeClr val="dk1">
-              <a:shade val="50000"/>
-            </a:schemeClr>
-          </a:lnRef>
-          <a:fillRef idx="1">
-            <a:schemeClr val="dk1"/>
-          </a:fillRef>
-          <a:effectRef idx="0">
-            <a:schemeClr val="dk1"/>
-          </a:effectRef>
-          <a:fontRef idx="minor">
-            <a:schemeClr val="lt1"/>
-          </a:fontRef>
-        </p:style>
-        <p:txBody>
-          <a:bodyPr rtlCol="0" anchor="ctr"/>
-          <a:lstStyle/>
-          <a:p>
-            <a:pPr algn="ctr"/>
-            <a:endParaRPr lang="en-US"/>
-          </a:p>
-        </p:txBody>
-      </p:sp>
-      <p:sp>
-        <p:nvSpPr>
-          <p:cNvPr id="22" name="Oval 21">
-            <a:extLst>
-              <a:ext uri="{FF2B5EF4-FFF2-40B4-BE49-F238E27FC236}">
-                <a16:creationId xmlns:a16="http://schemas.microsoft.com/office/drawing/2014/main" id="{2282579C-4859-48C5-8E51-F06F3FC192A9}"/>
-              </a:ext>
-            </a:extLst>
-          </p:cNvPr>
-          <p:cNvSpPr/>
-          <p:nvPr/>
-        </p:nvSpPr>
-        <p:spPr>
-          <a:xfrm>
-            <a:off x="5680745" y="3930242"/>
-            <a:ext cx="812800" cy="812800"/>
-          </a:xfrm>
-          <a:prstGeom prst="ellipse">
-            <a:avLst/>
-          </a:prstGeom>
-          <a:solidFill>
-            <a:srgbClr val="FF0000"/>
-          </a:solidFill>
-        </p:spPr>
-        <p:style>
-          <a:lnRef idx="2">
-            <a:schemeClr val="lt1">
-              <a:hueOff val="0"/>
-              <a:satOff val="0"/>
-              <a:lumOff val="0"/>
-              <a:alphaOff val="0"/>
-            </a:schemeClr>
-          </a:lnRef>
-          <a:fillRef idx="1">
-            <a:scrgbClr r="0" g="0" b="0"/>
-          </a:fillRef>
-          <a:effectRef idx="0">
-            <a:schemeClr val="accent1">
-              <a:hueOff val="0"/>
-              <a:satOff val="0"/>
-              <a:lumOff val="0"/>
-              <a:alphaOff val="0"/>
-            </a:schemeClr>
-          </a:effectRef>
-          <a:fontRef idx="minor">
-            <a:schemeClr val="lt1"/>
-          </a:fontRef>
-        </p:style>
-      </p:sp>
-      <p:sp>
-        <p:nvSpPr>
-          <p:cNvPr id="7" name="Oval 6">
-            <a:extLst>
-              <a:ext uri="{FF2B5EF4-FFF2-40B4-BE49-F238E27FC236}">
-                <a16:creationId xmlns:a16="http://schemas.microsoft.com/office/drawing/2014/main" id="{6F36F3AC-3210-43F0-9846-FC9812C86E50}"/>
-              </a:ext>
-            </a:extLst>
-          </p:cNvPr>
-          <p:cNvSpPr/>
-          <p:nvPr/>
-        </p:nvSpPr>
-        <p:spPr>
-          <a:xfrm>
-            <a:off x="6217641" y="3742888"/>
-            <a:ext cx="109057" cy="117446"/>
-          </a:xfrm>
-          <a:prstGeom prst="ellipse">
-            <a:avLst/>
-          </a:prstGeom>
-        </p:spPr>
-        <p:style>
-          <a:lnRef idx="2">
-            <a:schemeClr val="dk1">
-              <a:shade val="50000"/>
-            </a:schemeClr>
-          </a:lnRef>
-          <a:fillRef idx="1">
-            <a:schemeClr val="dk1"/>
-          </a:fillRef>
-          <a:effectRef idx="0">
-            <a:schemeClr val="dk1"/>
-          </a:effectRef>
-          <a:fontRef idx="minor">
-            <a:schemeClr val="lt1"/>
-          </a:fontRef>
-        </p:style>
-        <p:txBody>
-          <a:bodyPr rtlCol="0" anchor="ctr"/>
-          <a:lstStyle/>
-          <a:p>
-            <a:pPr algn="ctr"/>
-            <a:endParaRPr lang="en-US"/>
-          </a:p>
-        </p:txBody>
-      </p:sp>
-      <p:sp>
-        <p:nvSpPr>
-          <p:cNvPr id="8" name="Oval 7">
-            <a:extLst>
-              <a:ext uri="{FF2B5EF4-FFF2-40B4-BE49-F238E27FC236}">
-                <a16:creationId xmlns:a16="http://schemas.microsoft.com/office/drawing/2014/main" id="{F118BDBB-AA4F-42A7-873E-1FDF1FEF579C}"/>
-              </a:ext>
-            </a:extLst>
-          </p:cNvPr>
-          <p:cNvSpPr/>
-          <p:nvPr/>
-        </p:nvSpPr>
-        <p:spPr>
-          <a:xfrm>
-            <a:off x="6309920" y="4145560"/>
-            <a:ext cx="109057" cy="117446"/>
-          </a:xfrm>
-          <a:prstGeom prst="ellipse">
-            <a:avLst/>
-          </a:prstGeom>
-        </p:spPr>
-        <p:style>
-          <a:lnRef idx="2">
-            <a:schemeClr val="dk1">
-              <a:shade val="50000"/>
-            </a:schemeClr>
-          </a:lnRef>
-          <a:fillRef idx="1">
-            <a:schemeClr val="dk1"/>
-          </a:fillRef>
-          <a:effectRef idx="0">
-            <a:schemeClr val="dk1"/>
-          </a:effectRef>
-          <a:fontRef idx="minor">
-            <a:schemeClr val="lt1"/>
-          </a:fontRef>
-        </p:style>
-        <p:txBody>
-          <a:bodyPr rtlCol="0" anchor="ctr"/>
-          <a:lstStyle/>
-          <a:p>
-            <a:pPr algn="ctr"/>
-            <a:endParaRPr lang="en-US"/>
-          </a:p>
-        </p:txBody>
-      </p:sp>
-      <p:sp>
-        <p:nvSpPr>
-          <p:cNvPr id="11" name="Oval 10">
-            <a:extLst>
-              <a:ext uri="{FF2B5EF4-FFF2-40B4-BE49-F238E27FC236}">
-                <a16:creationId xmlns:a16="http://schemas.microsoft.com/office/drawing/2014/main" id="{6F36E3B7-F376-4414-B695-43F38CB5508D}"/>
-              </a:ext>
-            </a:extLst>
-          </p:cNvPr>
-          <p:cNvSpPr/>
-          <p:nvPr/>
-        </p:nvSpPr>
-        <p:spPr>
-          <a:xfrm>
-            <a:off x="5932415" y="4095226"/>
-            <a:ext cx="109057" cy="117446"/>
-          </a:xfrm>
-          <a:prstGeom prst="ellipse">
-            <a:avLst/>
-          </a:prstGeom>
-        </p:spPr>
-        <p:style>
-          <a:lnRef idx="2">
-            <a:schemeClr val="dk1">
-              <a:shade val="50000"/>
-            </a:schemeClr>
-          </a:lnRef>
-          <a:fillRef idx="1">
-            <a:schemeClr val="dk1"/>
-          </a:fillRef>
-          <a:effectRef idx="0">
-            <a:schemeClr val="dk1"/>
-          </a:effectRef>
-          <a:fontRef idx="minor">
-            <a:schemeClr val="lt1"/>
-          </a:fontRef>
-        </p:style>
-        <p:txBody>
-          <a:bodyPr rtlCol="0" anchor="ctr"/>
-          <a:lstStyle/>
-          <a:p>
-            <a:pPr algn="ctr"/>
-            <a:endParaRPr lang="en-US"/>
-          </a:p>
-        </p:txBody>
-      </p:sp>
-      <p:cxnSp>
-        <p:nvCxnSpPr>
-          <p:cNvPr id="25" name="Straight Arrow Connector 24">
-            <a:extLst>
-              <a:ext uri="{FF2B5EF4-FFF2-40B4-BE49-F238E27FC236}">
-                <a16:creationId xmlns:a16="http://schemas.microsoft.com/office/drawing/2014/main" id="{257C1BDF-2E31-4FEF-A094-953E5670F1A4}"/>
-              </a:ext>
-            </a:extLst>
-          </p:cNvPr>
-          <p:cNvCxnSpPr>
-            <a:cxnSpLocks/>
-            <a:endCxn id="17" idx="2"/>
-          </p:cNvCxnSpPr>
-          <p:nvPr/>
-        </p:nvCxnSpPr>
-        <p:spPr>
-          <a:xfrm flipV="1">
-            <a:off x="4051417" y="3768055"/>
-            <a:ext cx="3734967" cy="634746"/>
-          </a:xfrm>
-          <a:prstGeom prst="straightConnector1">
-            <a:avLst/>
-          </a:prstGeom>
-          <a:ln>
-            <a:tailEnd type="triangle"/>
-          </a:ln>
-        </p:spPr>
-        <p:style>
-          <a:lnRef idx="1">
-            <a:schemeClr val="accent1"/>
-          </a:lnRef>
-          <a:fillRef idx="0">
-            <a:schemeClr val="accent1"/>
-          </a:fillRef>
-          <a:effectRef idx="0">
-            <a:schemeClr val="accent1"/>
-          </a:effectRef>
-          <a:fontRef idx="minor">
-            <a:schemeClr val="tx1"/>
-          </a:fontRef>
-        </p:style>
-      </p:cxnSp>
-      <p:cxnSp>
-        <p:nvCxnSpPr>
-          <p:cNvPr id="27" name="Straight Arrow Connector 26">
-            <a:extLst>
-              <a:ext uri="{FF2B5EF4-FFF2-40B4-BE49-F238E27FC236}">
-                <a16:creationId xmlns:a16="http://schemas.microsoft.com/office/drawing/2014/main" id="{3D2FFA7C-C6DD-4269-9240-4B68D541A65E}"/>
-              </a:ext>
-            </a:extLst>
-          </p:cNvPr>
-          <p:cNvCxnSpPr>
-            <a:stCxn id="17" idx="2"/>
-            <a:endCxn id="16" idx="7"/>
-          </p:cNvCxnSpPr>
-          <p:nvPr/>
-        </p:nvCxnSpPr>
-        <p:spPr>
-          <a:xfrm flipH="1">
-            <a:off x="4423202" y="3768055"/>
-            <a:ext cx="3363182" cy="1401385"/>
-          </a:xfrm>
-          <a:prstGeom prst="straightConnector1">
-            <a:avLst/>
-          </a:prstGeom>
-          <a:ln>
-            <a:tailEnd type="triangle"/>
-          </a:ln>
-        </p:spPr>
-        <p:style>
-          <a:lnRef idx="1">
-            <a:schemeClr val="accent1"/>
-          </a:lnRef>
-          <a:fillRef idx="0">
-            <a:schemeClr val="accent1"/>
-          </a:fillRef>
-          <a:effectRef idx="0">
-            <a:schemeClr val="accent1"/>
-          </a:effectRef>
-          <a:fontRef idx="minor">
-            <a:schemeClr val="tx1"/>
-          </a:fontRef>
-        </p:style>
-      </p:cxnSp>
-      <p:cxnSp>
-        <p:nvCxnSpPr>
-          <p:cNvPr id="29" name="Straight Arrow Connector 28">
-            <a:extLst>
-              <a:ext uri="{FF2B5EF4-FFF2-40B4-BE49-F238E27FC236}">
-                <a16:creationId xmlns:a16="http://schemas.microsoft.com/office/drawing/2014/main" id="{32161DF2-871A-4EDD-BA52-51CF776F3D10}"/>
-              </a:ext>
-            </a:extLst>
-          </p:cNvPr>
-          <p:cNvCxnSpPr>
-            <a:stCxn id="16" idx="6"/>
-            <a:endCxn id="13" idx="3"/>
-          </p:cNvCxnSpPr>
-          <p:nvPr/>
-        </p:nvCxnSpPr>
-        <p:spPr>
-          <a:xfrm flipV="1">
-            <a:off x="4439173" y="2651896"/>
-            <a:ext cx="1114930" cy="2559067"/>
-          </a:xfrm>
-          <a:prstGeom prst="straightConnector1">
-            <a:avLst/>
-          </a:prstGeom>
-          <a:ln>
-            <a:tailEnd type="triangle"/>
-          </a:ln>
-        </p:spPr>
-        <p:style>
-          <a:lnRef idx="1">
-            <a:schemeClr val="accent1"/>
-          </a:lnRef>
-          <a:fillRef idx="0">
-            <a:schemeClr val="accent1"/>
-          </a:fillRef>
-          <a:effectRef idx="0">
-            <a:schemeClr val="accent1"/>
-          </a:effectRef>
-          <a:fontRef idx="minor">
-            <a:schemeClr val="tx1"/>
-          </a:fontRef>
-        </p:style>
-      </p:cxnSp>
-      <p:cxnSp>
-        <p:nvCxnSpPr>
-          <p:cNvPr id="31" name="Straight Arrow Connector 30">
-            <a:extLst>
-              <a:ext uri="{FF2B5EF4-FFF2-40B4-BE49-F238E27FC236}">
-                <a16:creationId xmlns:a16="http://schemas.microsoft.com/office/drawing/2014/main" id="{630F38A9-6C6C-4010-800C-0C2BA5ADA766}"/>
-              </a:ext>
-            </a:extLst>
-          </p:cNvPr>
-          <p:cNvCxnSpPr>
-            <a:stCxn id="13" idx="4"/>
-            <a:endCxn id="14" idx="0"/>
-          </p:cNvCxnSpPr>
-          <p:nvPr/>
-        </p:nvCxnSpPr>
-        <p:spPr>
-          <a:xfrm>
-            <a:off x="5592661" y="2669096"/>
-            <a:ext cx="8389" cy="3036818"/>
-          </a:xfrm>
-          <a:prstGeom prst="straightConnector1">
-            <a:avLst/>
-          </a:prstGeom>
-          <a:ln>
-            <a:tailEnd type="triangle"/>
-          </a:ln>
-        </p:spPr>
-        <p:style>
-          <a:lnRef idx="1">
-            <a:schemeClr val="accent1"/>
-          </a:lnRef>
-          <a:fillRef idx="0">
-            <a:schemeClr val="accent1"/>
-          </a:fillRef>
-          <a:effectRef idx="0">
-            <a:schemeClr val="accent1"/>
-          </a:effectRef>
-          <a:fontRef idx="minor">
-            <a:schemeClr val="tx1"/>
-          </a:fontRef>
-        </p:style>
-      </p:cxnSp>
-      <p:sp>
-        <p:nvSpPr>
-          <p:cNvPr id="59" name="Rectangle: Rounded Corners 58">
-            <a:extLst>
-              <a:ext uri="{FF2B5EF4-FFF2-40B4-BE49-F238E27FC236}">
-                <a16:creationId xmlns:a16="http://schemas.microsoft.com/office/drawing/2014/main" id="{C3CEEB34-1A12-42A5-B245-51B86DC0DD89}"/>
-              </a:ext>
-            </a:extLst>
-          </p:cNvPr>
-          <p:cNvSpPr/>
-          <p:nvPr/>
-        </p:nvSpPr>
-        <p:spPr>
-          <a:xfrm>
-            <a:off x="3129094" y="4017862"/>
-            <a:ext cx="922323" cy="798818"/>
-          </a:xfrm>
-          <a:prstGeom prst="roundRect">
-            <a:avLst/>
-          </a:prstGeom>
-          <a:solidFill>
-            <a:srgbClr val="FF5050">
-              <a:alpha val="86000"/>
-            </a:srgbClr>
-          </a:solidFill>
-        </p:spPr>
-        <p:style>
-          <a:lnRef idx="2">
-            <a:schemeClr val="accent1">
-              <a:shade val="50000"/>
-            </a:schemeClr>
-          </a:lnRef>
-          <a:fillRef idx="1">
-            <a:schemeClr val="accent1"/>
-          </a:fillRef>
-          <a:effectRef idx="0">
-            <a:schemeClr val="accent1"/>
-          </a:effectRef>
-          <a:fontRef idx="minor">
-            <a:schemeClr val="lt1"/>
-          </a:fontRef>
-        </p:style>
-        <p:txBody>
-          <a:bodyPr rtlCol="0" anchor="ctr"/>
-          <a:lstStyle/>
-          <a:p>
-            <a:pPr algn="ctr"/>
-            <a:endParaRPr lang="en-US" dirty="0">
-              <a:ln>
-                <a:solidFill>
-                  <a:schemeClr val="accent1">
-                    <a:shade val="50000"/>
-                  </a:schemeClr>
-                </a:solidFill>
-              </a:ln>
-              <a:solidFill>
-                <a:schemeClr val="bg1"/>
-              </a:solidFill>
-            </a:endParaRPr>
-          </a:p>
-        </p:txBody>
-      </p:sp>
-    </p:spTree>
-    <p:extLst>
-      <p:ext uri="{BB962C8B-B14F-4D97-AF65-F5344CB8AC3E}">
-        <p14:creationId xmlns:p14="http://schemas.microsoft.com/office/powerpoint/2010/main" val="4057420877"/>
-      </p:ext>
-    </p:extLst>
-  </p:cSld>
-  <p:clrMapOvr>
-    <a:masterClrMapping/>
-  </p:clrMapOvr>
-</p:sld>
-</file>
-
-<file path=ppt/slides/slide8.xml><?xml version="1.0" encoding="utf-8"?>
-<p:sld xmlns:a="http://schemas.openxmlformats.org/drawingml/2006/main" xmlns:r="http://schemas.openxmlformats.org/officeDocument/2006/relationships" xmlns:p="http://schemas.openxmlformats.org/presentationml/2006/main">
-  <p:cSld>
-    <p:spTree>
-      <p:nvGrpSpPr>
-        <p:cNvPr id="1" name=""/>
-        <p:cNvGrpSpPr/>
-        <p:nvPr/>
-      </p:nvGrpSpPr>
-      <p:grpSpPr>
-        <a:xfrm>
-          <a:off x="0" y="0"/>
-          <a:ext cx="0" cy="0"/>
-          <a:chOff x="0" y="0"/>
-          <a:chExt cx="0" cy="0"/>
-        </a:xfrm>
-      </p:grpSpPr>
-      <p:sp>
-        <p:nvSpPr>
-          <p:cNvPr id="2" name="Title 1">
-            <a:extLst>
-              <a:ext uri="{FF2B5EF4-FFF2-40B4-BE49-F238E27FC236}">
-                <a16:creationId xmlns:a16="http://schemas.microsoft.com/office/drawing/2014/main" id="{4B8D6409-F30A-4C13-B99C-143C9D5BA9F3}"/>
-              </a:ext>
-            </a:extLst>
-          </p:cNvPr>
-          <p:cNvSpPr>
-            <a:spLocks noGrp="1"/>
-          </p:cNvSpPr>
-          <p:nvPr>
-            <p:ph type="title"/>
-          </p:nvPr>
-        </p:nvSpPr>
-        <p:spPr/>
-        <p:txBody>
-          <a:bodyPr/>
-          <a:lstStyle/>
-          <a:p>
-            <a:pPr algn="ctr"/>
-            <a:r>
-              <a:rPr lang="en-US" dirty="0"/>
-              <a:t>An Error Function and Gradient Descent</a:t>
-            </a:r>
-          </a:p>
-        </p:txBody>
-      </p:sp>
-      <p:pic>
-        <p:nvPicPr>
-          <p:cNvPr id="5" name="Picture 4">
-            <a:extLst>
-              <a:ext uri="{FF2B5EF4-FFF2-40B4-BE49-F238E27FC236}">
-                <a16:creationId xmlns:a16="http://schemas.microsoft.com/office/drawing/2014/main" id="{DF49EAB1-77EA-44EC-9B2F-7CF80FB4AE17}"/>
-              </a:ext>
-            </a:extLst>
-          </p:cNvPr>
-          <p:cNvPicPr>
-            <a:picLocks noChangeAspect="1"/>
-          </p:cNvPicPr>
-          <p:nvPr/>
-        </p:nvPicPr>
-        <p:blipFill>
-          <a:blip r:embed="rId2"/>
-          <a:stretch>
-            <a:fillRect/>
-          </a:stretch>
-        </p:blipFill>
-        <p:spPr>
-          <a:xfrm>
-            <a:off x="1607328" y="1690688"/>
-            <a:ext cx="4293375" cy="3829226"/>
-          </a:xfrm>
-          <a:prstGeom prst="rect">
-            <a:avLst/>
-          </a:prstGeom>
-        </p:spPr>
-      </p:pic>
-      <p:cxnSp>
-        <p:nvCxnSpPr>
-          <p:cNvPr id="7" name="Straight Arrow Connector 6">
-            <a:extLst>
-              <a:ext uri="{FF2B5EF4-FFF2-40B4-BE49-F238E27FC236}">
-                <a16:creationId xmlns:a16="http://schemas.microsoft.com/office/drawing/2014/main" id="{8E101B77-A955-400D-B71B-E6E88BEAE708}"/>
-              </a:ext>
-            </a:extLst>
-          </p:cNvPr>
-          <p:cNvCxnSpPr>
-            <a:cxnSpLocks/>
-          </p:cNvCxnSpPr>
-          <p:nvPr/>
-        </p:nvCxnSpPr>
-        <p:spPr>
-          <a:xfrm flipV="1">
-            <a:off x="6560190" y="1677798"/>
-            <a:ext cx="0" cy="3842158"/>
-          </a:xfrm>
-          <a:prstGeom prst="straightConnector1">
-            <a:avLst/>
-          </a:prstGeom>
-          <a:ln>
-            <a:tailEnd type="triangle"/>
-          </a:ln>
-        </p:spPr>
-        <p:style>
-          <a:lnRef idx="1">
-            <a:schemeClr val="accent1"/>
-          </a:lnRef>
-          <a:fillRef idx="0">
-            <a:schemeClr val="accent1"/>
-          </a:fillRef>
-          <a:effectRef idx="0">
-            <a:schemeClr val="accent1"/>
-          </a:effectRef>
-          <a:fontRef idx="minor">
-            <a:schemeClr val="tx1"/>
-          </a:fontRef>
-        </p:style>
-      </p:cxnSp>
-      <p:cxnSp>
-        <p:nvCxnSpPr>
-          <p:cNvPr id="9" name="Straight Arrow Connector 8">
-            <a:extLst>
-              <a:ext uri="{FF2B5EF4-FFF2-40B4-BE49-F238E27FC236}">
-                <a16:creationId xmlns:a16="http://schemas.microsoft.com/office/drawing/2014/main" id="{68BA0885-3320-4744-8733-F1CFDF422948}"/>
-              </a:ext>
-            </a:extLst>
-          </p:cNvPr>
-          <p:cNvCxnSpPr>
-            <a:cxnSpLocks/>
-          </p:cNvCxnSpPr>
-          <p:nvPr/>
-        </p:nvCxnSpPr>
-        <p:spPr>
-          <a:xfrm>
-            <a:off x="6551801" y="5536734"/>
-            <a:ext cx="4639113" cy="0"/>
-          </a:xfrm>
-          <a:prstGeom prst="straightConnector1">
-            <a:avLst/>
-          </a:prstGeom>
-          <a:ln>
-            <a:tailEnd type="triangle"/>
-          </a:ln>
-        </p:spPr>
-        <p:style>
-          <a:lnRef idx="1">
-            <a:schemeClr val="accent1"/>
-          </a:lnRef>
-          <a:fillRef idx="0">
-            <a:schemeClr val="accent1"/>
-          </a:fillRef>
-          <a:effectRef idx="0">
-            <a:schemeClr val="accent1"/>
-          </a:effectRef>
-          <a:fontRef idx="minor">
-            <a:schemeClr val="tx1"/>
-          </a:fontRef>
-        </p:style>
-      </p:cxnSp>
-      <p:sp>
-        <p:nvSpPr>
-          <p:cNvPr id="13" name="Freeform: Shape 12">
-            <a:extLst>
-              <a:ext uri="{FF2B5EF4-FFF2-40B4-BE49-F238E27FC236}">
-                <a16:creationId xmlns:a16="http://schemas.microsoft.com/office/drawing/2014/main" id="{EA448E36-8894-4A55-BDB6-C321D97C8FF9}"/>
-              </a:ext>
-            </a:extLst>
-          </p:cNvPr>
-          <p:cNvSpPr/>
-          <p:nvPr/>
-        </p:nvSpPr>
-        <p:spPr>
-          <a:xfrm>
-            <a:off x="6845416" y="1870745"/>
-            <a:ext cx="4202884" cy="2818786"/>
-          </a:xfrm>
-          <a:custGeom>
-            <a:avLst/>
-            <a:gdLst>
-              <a:gd name="connsiteX0" fmla="*/ 0 w 4202884"/>
-              <a:gd name="connsiteY0" fmla="*/ 75501 h 2818786"/>
-              <a:gd name="connsiteX1" fmla="*/ 2013357 w 4202884"/>
-              <a:gd name="connsiteY1" fmla="*/ 2818701 h 2818786"/>
-              <a:gd name="connsiteX2" fmla="*/ 4202884 w 4202884"/>
-              <a:gd name="connsiteY2" fmla="*/ 0 h 2818786"/>
-            </a:gdLst>
-            <a:ahLst/>
-            <a:cxnLst>
-              <a:cxn ang="0">
-                <a:pos x="connsiteX0" y="connsiteY0"/>
-              </a:cxn>
-              <a:cxn ang="0">
-                <a:pos x="connsiteX1" y="connsiteY1"/>
-              </a:cxn>
-              <a:cxn ang="0">
-                <a:pos x="connsiteX2" y="connsiteY2"/>
-              </a:cxn>
-            </a:cxnLst>
-            <a:rect l="l" t="t" r="r" b="b"/>
-            <a:pathLst>
-              <a:path w="4202884" h="2818786">
-                <a:moveTo>
-                  <a:pt x="0" y="75501"/>
-                </a:moveTo>
-                <a:cubicBezTo>
-                  <a:pt x="656438" y="1453393"/>
-                  <a:pt x="1312876" y="2831285"/>
-                  <a:pt x="2013357" y="2818701"/>
-                </a:cubicBezTo>
-                <a:cubicBezTo>
-                  <a:pt x="2713838" y="2806118"/>
-                  <a:pt x="3893889" y="271244"/>
-                  <a:pt x="4202884" y="0"/>
-                </a:cubicBezTo>
-              </a:path>
-            </a:pathLst>
-          </a:custGeom>
-          <a:noFill/>
-        </p:spPr>
-        <p:style>
-          <a:lnRef idx="2">
-            <a:schemeClr val="accent1">
-              <a:shade val="50000"/>
-            </a:schemeClr>
-          </a:lnRef>
-          <a:fillRef idx="1">
-            <a:schemeClr val="accent1"/>
-          </a:fillRef>
-          <a:effectRef idx="0">
-            <a:schemeClr val="accent1"/>
-          </a:effectRef>
-          <a:fontRef idx="minor">
-            <a:schemeClr val="lt1"/>
-          </a:fontRef>
-        </p:style>
-        <p:txBody>
-          <a:bodyPr rtlCol="0" anchor="ctr"/>
-          <a:lstStyle/>
-          <a:p>
-            <a:pPr algn="ctr"/>
-            <a:endParaRPr lang="en-US"/>
-          </a:p>
-        </p:txBody>
-      </p:sp>
-      <p:sp>
-        <p:nvSpPr>
-          <p:cNvPr id="14" name="Oval 13">
-            <a:extLst>
-              <a:ext uri="{FF2B5EF4-FFF2-40B4-BE49-F238E27FC236}">
-                <a16:creationId xmlns:a16="http://schemas.microsoft.com/office/drawing/2014/main" id="{A9B0EE2C-7F5B-4B50-BBDE-61738129CCA8}"/>
-              </a:ext>
-            </a:extLst>
-          </p:cNvPr>
-          <p:cNvSpPr/>
-          <p:nvPr/>
-        </p:nvSpPr>
-        <p:spPr>
-          <a:xfrm>
-            <a:off x="7105474" y="2558642"/>
-            <a:ext cx="142613" cy="151002"/>
-          </a:xfrm>
-          <a:prstGeom prst="ellipse">
-            <a:avLst/>
-          </a:prstGeom>
-          <a:solidFill>
-            <a:srgbClr val="FF5050"/>
-          </a:solidFill>
-        </p:spPr>
-        <p:style>
-          <a:lnRef idx="2">
-            <a:schemeClr val="accent1">
-              <a:shade val="50000"/>
-            </a:schemeClr>
-          </a:lnRef>
-          <a:fillRef idx="1">
-            <a:schemeClr val="accent1"/>
-          </a:fillRef>
-          <a:effectRef idx="0">
-            <a:schemeClr val="accent1"/>
-          </a:effectRef>
-          <a:fontRef idx="minor">
-            <a:schemeClr val="lt1"/>
-          </a:fontRef>
-        </p:style>
-        <p:txBody>
-          <a:bodyPr rtlCol="0" anchor="ctr"/>
-          <a:lstStyle/>
-          <a:p>
-            <a:pPr algn="ctr"/>
-            <a:endParaRPr lang="en-US"/>
-          </a:p>
-        </p:txBody>
-      </p:sp>
-      <p:cxnSp>
-        <p:nvCxnSpPr>
-          <p:cNvPr id="16" name="Straight Connector 15">
-            <a:extLst>
-              <a:ext uri="{FF2B5EF4-FFF2-40B4-BE49-F238E27FC236}">
-                <a16:creationId xmlns:a16="http://schemas.microsoft.com/office/drawing/2014/main" id="{9213B555-D568-4BD5-A3AF-9E3F1D058CCE}"/>
-              </a:ext>
-            </a:extLst>
-          </p:cNvPr>
-          <p:cNvCxnSpPr>
-            <a:cxnSpLocks/>
-          </p:cNvCxnSpPr>
-          <p:nvPr/>
-        </p:nvCxnSpPr>
-        <p:spPr>
-          <a:xfrm>
-            <a:off x="6660858" y="1518408"/>
-            <a:ext cx="1062955" cy="2287094"/>
-          </a:xfrm>
-          <a:prstGeom prst="line">
-            <a:avLst/>
-          </a:prstGeom>
-          <a:ln>
-            <a:solidFill>
-              <a:srgbClr val="FF0000"/>
-            </a:solidFill>
-          </a:ln>
-        </p:spPr>
-        <p:style>
-          <a:lnRef idx="1">
-            <a:schemeClr val="dk1"/>
-          </a:lnRef>
-          <a:fillRef idx="0">
-            <a:schemeClr val="dk1"/>
-          </a:fillRef>
-          <a:effectRef idx="0">
-            <a:schemeClr val="dk1"/>
-          </a:effectRef>
-          <a:fontRef idx="minor">
-            <a:schemeClr val="tx1"/>
-          </a:fontRef>
-        </p:style>
-      </p:cxnSp>
-      <p:sp>
-        <p:nvSpPr>
-          <p:cNvPr id="19" name="Oval 18">
-            <a:extLst>
-              <a:ext uri="{FF2B5EF4-FFF2-40B4-BE49-F238E27FC236}">
-                <a16:creationId xmlns:a16="http://schemas.microsoft.com/office/drawing/2014/main" id="{37C7074A-78D3-443D-8046-07F5E7AE52DC}"/>
-              </a:ext>
-            </a:extLst>
-          </p:cNvPr>
-          <p:cNvSpPr/>
-          <p:nvPr/>
-        </p:nvSpPr>
-        <p:spPr>
-          <a:xfrm>
-            <a:off x="7581200" y="3490126"/>
-            <a:ext cx="142613" cy="151002"/>
-          </a:xfrm>
-          <a:prstGeom prst="ellipse">
-            <a:avLst/>
-          </a:prstGeom>
-          <a:solidFill>
-            <a:srgbClr val="FFC000"/>
-          </a:solidFill>
-        </p:spPr>
-        <p:style>
-          <a:lnRef idx="2">
-            <a:schemeClr val="accent1">
-              <a:shade val="50000"/>
-            </a:schemeClr>
-          </a:lnRef>
-          <a:fillRef idx="1">
-            <a:schemeClr val="accent1"/>
-          </a:fillRef>
-          <a:effectRef idx="0">
-            <a:schemeClr val="accent1"/>
-          </a:effectRef>
-          <a:fontRef idx="minor">
-            <a:schemeClr val="lt1"/>
-          </a:fontRef>
-        </p:style>
-        <p:txBody>
-          <a:bodyPr rtlCol="0" anchor="ctr"/>
-          <a:lstStyle/>
-          <a:p>
-            <a:pPr algn="ctr"/>
-            <a:endParaRPr lang="en-US"/>
-          </a:p>
-        </p:txBody>
-      </p:sp>
-      <p:cxnSp>
-        <p:nvCxnSpPr>
-          <p:cNvPr id="20" name="Straight Connector 19">
-            <a:extLst>
-              <a:ext uri="{FF2B5EF4-FFF2-40B4-BE49-F238E27FC236}">
-                <a16:creationId xmlns:a16="http://schemas.microsoft.com/office/drawing/2014/main" id="{4AD1F385-CF6A-48C1-B121-AF8D61F163F6}"/>
-              </a:ext>
-            </a:extLst>
-          </p:cNvPr>
-          <p:cNvCxnSpPr>
-            <a:cxnSpLocks/>
-          </p:cNvCxnSpPr>
-          <p:nvPr/>
-        </p:nvCxnSpPr>
-        <p:spPr>
-          <a:xfrm>
-            <a:off x="6968803" y="2487137"/>
-            <a:ext cx="1367405" cy="2156980"/>
-          </a:xfrm>
-          <a:prstGeom prst="line">
-            <a:avLst/>
-          </a:prstGeom>
-          <a:ln>
-            <a:solidFill>
-              <a:srgbClr val="FF0000"/>
-            </a:solidFill>
-          </a:ln>
-        </p:spPr>
-        <p:style>
-          <a:lnRef idx="1">
-            <a:schemeClr val="dk1"/>
-          </a:lnRef>
-          <a:fillRef idx="0">
-            <a:schemeClr val="dk1"/>
-          </a:fillRef>
-          <a:effectRef idx="0">
-            <a:schemeClr val="dk1"/>
-          </a:effectRef>
-          <a:fontRef idx="minor">
-            <a:schemeClr val="tx1"/>
-          </a:fontRef>
-        </p:style>
-      </p:cxnSp>
-      <p:sp>
-        <p:nvSpPr>
-          <p:cNvPr id="27" name="Oval 26">
-            <a:extLst>
-              <a:ext uri="{FF2B5EF4-FFF2-40B4-BE49-F238E27FC236}">
-                <a16:creationId xmlns:a16="http://schemas.microsoft.com/office/drawing/2014/main" id="{4722C651-D951-4929-B673-14E2DA3451A6}"/>
-              </a:ext>
-            </a:extLst>
-          </p:cNvPr>
-          <p:cNvSpPr/>
-          <p:nvPr/>
-        </p:nvSpPr>
-        <p:spPr>
-          <a:xfrm>
-            <a:off x="8732933" y="4594010"/>
-            <a:ext cx="167772" cy="171164"/>
-          </a:xfrm>
-          <a:prstGeom prst="ellipse">
-            <a:avLst/>
-          </a:prstGeom>
-        </p:spPr>
-        <p:style>
-          <a:lnRef idx="2">
-            <a:schemeClr val="accent6">
-              <a:shade val="50000"/>
-            </a:schemeClr>
-          </a:lnRef>
-          <a:fillRef idx="1">
-            <a:schemeClr val="accent6"/>
-          </a:fillRef>
-          <a:effectRef idx="0">
-            <a:schemeClr val="accent6"/>
-          </a:effectRef>
-          <a:fontRef idx="minor">
-            <a:schemeClr val="lt1"/>
-          </a:fontRef>
-        </p:style>
-        <p:txBody>
-          <a:bodyPr rtlCol="0" anchor="ctr"/>
-          <a:lstStyle/>
-          <a:p>
-            <a:pPr algn="ctr"/>
-            <a:endParaRPr lang="en-US"/>
-          </a:p>
-        </p:txBody>
-      </p:sp>
-    </p:spTree>
-    <p:extLst>
-      <p:ext uri="{BB962C8B-B14F-4D97-AF65-F5344CB8AC3E}">
-        <p14:creationId xmlns:p14="http://schemas.microsoft.com/office/powerpoint/2010/main" val="8563396"/>
-      </p:ext>
-    </p:extLst>
-  </p:cSld>
-  <p:clrMapOvr>
-    <a:masterClrMapping/>
-  </p:clrMapOvr>
-</p:sld>
-</file>
-
-<file path=ppt/slides/slide9.xml><?xml version="1.0" encoding="utf-8"?>
-<p:sld xmlns:a="http://schemas.openxmlformats.org/drawingml/2006/main" xmlns:r="http://schemas.openxmlformats.org/officeDocument/2006/relationships" xmlns:p="http://schemas.openxmlformats.org/presentationml/2006/main">
-  <p:cSld>
-    <p:spTree>
-      <p:nvGrpSpPr>
-        <p:cNvPr id="1" name=""/>
-        <p:cNvGrpSpPr/>
-        <p:nvPr/>
-      </p:nvGrpSpPr>
-      <p:grpSpPr>
-        <a:xfrm>
-          <a:off x="0" y="0"/>
-          <a:ext cx="0" cy="0"/>
-          <a:chOff x="0" y="0"/>
-          <a:chExt cx="0" cy="0"/>
-        </a:xfrm>
-      </p:grpSpPr>
-      <p:sp>
-        <p:nvSpPr>
-          <p:cNvPr id="2" name="Title 1">
-            <a:extLst>
-              <a:ext uri="{FF2B5EF4-FFF2-40B4-BE49-F238E27FC236}">
-                <a16:creationId xmlns:a16="http://schemas.microsoft.com/office/drawing/2014/main" id="{8EFF99CD-BD1F-44C2-810D-044E2DA7ABB2}"/>
-              </a:ext>
-            </a:extLst>
-          </p:cNvPr>
-          <p:cNvSpPr>
-            <a:spLocks noGrp="1"/>
-          </p:cNvSpPr>
-          <p:nvPr>
-            <p:ph type="title"/>
-          </p:nvPr>
-        </p:nvSpPr>
-        <p:spPr/>
-        <p:txBody>
-          <a:bodyPr/>
-          <a:lstStyle/>
-          <a:p>
-            <a:pPr algn="ctr"/>
-            <a:r>
-              <a:rPr lang="en-US" dirty="0"/>
-              <a:t>A Plan of Action</a:t>
-            </a:r>
-          </a:p>
-        </p:txBody>
-      </p:sp>
-      <p:pic>
-        <p:nvPicPr>
-          <p:cNvPr id="5" name="Picture 4">
-            <a:extLst>
-              <a:ext uri="{FF2B5EF4-FFF2-40B4-BE49-F238E27FC236}">
-                <a16:creationId xmlns:a16="http://schemas.microsoft.com/office/drawing/2014/main" id="{1F16B3C9-3346-4D18-8C9A-07D5FE6239F6}"/>
-              </a:ext>
-            </a:extLst>
-          </p:cNvPr>
-          <p:cNvPicPr>
-            <a:picLocks noChangeAspect="1"/>
-          </p:cNvPicPr>
-          <p:nvPr/>
-        </p:nvPicPr>
-        <p:blipFill>
-          <a:blip r:embed="rId2">
-            <a:extLst>
-              <a:ext uri="{28A0092B-C50C-407E-A947-70E740481C1C}">
-                <a14:useLocalDpi xmlns:a14="http://schemas.microsoft.com/office/drawing/2010/main" val="0"/>
-              </a:ext>
-            </a:extLst>
-          </a:blip>
-          <a:stretch>
-            <a:fillRect/>
-          </a:stretch>
-        </p:blipFill>
-        <p:spPr>
-          <a:xfrm>
-            <a:off x="3048000" y="1570838"/>
-            <a:ext cx="6096000" cy="4572000"/>
-          </a:xfrm>
-          <a:prstGeom prst="rect">
-            <a:avLst/>
-          </a:prstGeom>
-        </p:spPr>
-      </p:pic>
-    </p:spTree>
-    <p:extLst>
-      <p:ext uri="{BB962C8B-B14F-4D97-AF65-F5344CB8AC3E}">
-        <p14:creationId xmlns:p14="http://schemas.microsoft.com/office/powerpoint/2010/main" val="3239738299"/>
       </p:ext>
     </p:extLst>
   </p:cSld>

--- a/CuseHacksPresentation.pptx
+++ b/CuseHacksPresentation.pptx
@@ -10,14 +10,15 @@
     <p:sldId id="267" r:id="rId4"/>
     <p:sldId id="257" r:id="rId5"/>
     <p:sldId id="259" r:id="rId6"/>
-    <p:sldId id="260" r:id="rId7"/>
-    <p:sldId id="268" r:id="rId8"/>
-    <p:sldId id="266" r:id="rId9"/>
-    <p:sldId id="261" r:id="rId10"/>
-    <p:sldId id="262" r:id="rId11"/>
-    <p:sldId id="263" r:id="rId12"/>
-    <p:sldId id="264" r:id="rId13"/>
-    <p:sldId id="265" r:id="rId14"/>
+    <p:sldId id="269" r:id="rId7"/>
+    <p:sldId id="260" r:id="rId8"/>
+    <p:sldId id="268" r:id="rId9"/>
+    <p:sldId id="266" r:id="rId10"/>
+    <p:sldId id="261" r:id="rId11"/>
+    <p:sldId id="262" r:id="rId12"/>
+    <p:sldId id="263" r:id="rId13"/>
+    <p:sldId id="264" r:id="rId14"/>
+    <p:sldId id="265" r:id="rId15"/>
   </p:sldIdLst>
   <p:sldSz cx="12192000" cy="6858000"/>
   <p:notesSz cx="6858000" cy="9144000"/>
@@ -18126,6 +18127,110 @@
           <a:chExt cx="0" cy="0"/>
         </a:xfrm>
       </p:grpSpPr>
+      <p:graphicFrame>
+        <p:nvGraphicFramePr>
+          <p:cNvPr id="4" name="Diagram 3">
+            <a:extLst>
+              <a:ext uri="{FF2B5EF4-FFF2-40B4-BE49-F238E27FC236}">
+                <a16:creationId xmlns:a16="http://schemas.microsoft.com/office/drawing/2014/main" id="{3EA03B95-7B20-4CB8-BBD3-3107AAB9C9AE}"/>
+              </a:ext>
+            </a:extLst>
+          </p:cNvPr>
+          <p:cNvGraphicFramePr/>
+          <p:nvPr/>
+        </p:nvGraphicFramePr>
+        <p:xfrm>
+          <a:off x="2032000" y="719666"/>
+          <a:ext cx="8128000" cy="5418667"/>
+        </p:xfrm>
+        <a:graphic>
+          <a:graphicData uri="http://schemas.openxmlformats.org/drawingml/2006/diagram">
+            <dgm:relIds xmlns:dgm="http://schemas.openxmlformats.org/drawingml/2006/diagram" xmlns:r="http://schemas.openxmlformats.org/officeDocument/2006/relationships" r:dm="rId2" r:lo="rId3" r:qs="rId4" r:cs="rId5"/>
+          </a:graphicData>
+        </a:graphic>
+      </p:graphicFrame>
+      <p:sp>
+        <p:nvSpPr>
+          <p:cNvPr id="2" name="Oval 1">
+            <a:extLst>
+              <a:ext uri="{FF2B5EF4-FFF2-40B4-BE49-F238E27FC236}">
+                <a16:creationId xmlns:a16="http://schemas.microsoft.com/office/drawing/2014/main" id="{12FC1AB0-6920-4734-9B78-8473CD786F99}"/>
+              </a:ext>
+            </a:extLst>
+          </p:cNvPr>
+          <p:cNvSpPr/>
+          <p:nvPr/>
+        </p:nvSpPr>
+        <p:spPr>
+          <a:xfrm rot="8431739">
+            <a:off x="4489840" y="1889423"/>
+            <a:ext cx="6081354" cy="4270388"/>
+          </a:xfrm>
+          <a:prstGeom prst="ellipse">
+            <a:avLst/>
+          </a:prstGeom>
+          <a:noFill/>
+          <a:ln w="57150">
+            <a:solidFill>
+              <a:srgbClr val="FF0000"/>
+            </a:solidFill>
+          </a:ln>
+        </p:spPr>
+        <p:style>
+          <a:lnRef idx="2">
+            <a:schemeClr val="accent1">
+              <a:shade val="50000"/>
+            </a:schemeClr>
+          </a:lnRef>
+          <a:fillRef idx="1">
+            <a:schemeClr val="accent1"/>
+          </a:fillRef>
+          <a:effectRef idx="0">
+            <a:schemeClr val="accent1"/>
+          </a:effectRef>
+          <a:fontRef idx="minor">
+            <a:schemeClr val="lt1"/>
+          </a:fontRef>
+        </p:style>
+        <p:txBody>
+          <a:bodyPr rtlCol="0" anchor="ctr"/>
+          <a:lstStyle/>
+          <a:p>
+            <a:pPr algn="ctr"/>
+            <a:endParaRPr lang="en-US"/>
+          </a:p>
+        </p:txBody>
+      </p:sp>
+    </p:spTree>
+    <p:extLst>
+      <p:ext uri="{BB962C8B-B14F-4D97-AF65-F5344CB8AC3E}">
+        <p14:creationId xmlns:p14="http://schemas.microsoft.com/office/powerpoint/2010/main" val="3213737585"/>
+      </p:ext>
+    </p:extLst>
+  </p:cSld>
+  <p:clrMapOvr>
+    <a:masterClrMapping/>
+  </p:clrMapOvr>
+</p:sld>
+</file>
+
+<file path=ppt/slides/slide11.xml><?xml version="1.0" encoding="utf-8"?>
+<p:sld xmlns:a="http://schemas.openxmlformats.org/drawingml/2006/main" xmlns:r="http://schemas.openxmlformats.org/officeDocument/2006/relationships" xmlns:p="http://schemas.openxmlformats.org/presentationml/2006/main">
+  <p:cSld>
+    <p:spTree>
+      <p:nvGrpSpPr>
+        <p:cNvPr id="1" name=""/>
+        <p:cNvGrpSpPr/>
+        <p:nvPr/>
+      </p:nvGrpSpPr>
+      <p:grpSpPr>
+        <a:xfrm>
+          <a:off x="0" y="0"/>
+          <a:ext cx="0" cy="0"/>
+          <a:chOff x="0" y="0"/>
+          <a:chExt cx="0" cy="0"/>
+        </a:xfrm>
+      </p:grpSpPr>
       <p:sp>
         <p:nvSpPr>
           <p:cNvPr id="21" name="Oval 20">
@@ -19238,7 +19343,7 @@
 </p:sld>
 </file>
 
-<file path=ppt/slides/slide11.xml><?xml version="1.0" encoding="utf-8"?>
+<file path=ppt/slides/slide12.xml><?xml version="1.0" encoding="utf-8"?>
 <p:sld xmlns:a="http://schemas.openxmlformats.org/drawingml/2006/main" xmlns:r="http://schemas.openxmlformats.org/officeDocument/2006/relationships" xmlns:p="http://schemas.openxmlformats.org/presentationml/2006/main">
   <p:cSld>
     <p:spTree>
@@ -19724,7 +19829,7 @@
 </p:sld>
 </file>
 
-<file path=ppt/slides/slide12.xml><?xml version="1.0" encoding="utf-8"?>
+<file path=ppt/slides/slide13.xml><?xml version="1.0" encoding="utf-8"?>
 <p:sld xmlns:a="http://schemas.openxmlformats.org/drawingml/2006/main" xmlns:r="http://schemas.openxmlformats.org/officeDocument/2006/relationships" xmlns:p="http://schemas.openxmlformats.org/presentationml/2006/main">
   <p:cSld>
     <p:spTree>
@@ -19819,7 +19924,7 @@
 </p:sld>
 </file>
 
-<file path=ppt/slides/slide13.xml><?xml version="1.0" encoding="utf-8"?>
+<file path=ppt/slides/slide14.xml><?xml version="1.0" encoding="utf-8"?>
 <p:sld xmlns:a="http://schemas.openxmlformats.org/drawingml/2006/main" xmlns:r="http://schemas.openxmlformats.org/officeDocument/2006/relationships" xmlns:p="http://schemas.openxmlformats.org/presentationml/2006/main">
   <p:cSld>
     <p:spTree>
@@ -21379,6 +21484,231 @@
 </file>
 
 <file path=ppt/slides/slide6.xml><?xml version="1.0" encoding="utf-8"?>
+<p:sld xmlns:a="http://schemas.openxmlformats.org/drawingml/2006/main" xmlns:r="http://schemas.openxmlformats.org/officeDocument/2006/relationships" xmlns:p="http://schemas.openxmlformats.org/presentationml/2006/main">
+  <p:cSld>
+    <p:bg>
+      <p:bgPr>
+        <a:solidFill>
+          <a:srgbClr val="FFFFFF"/>
+        </a:solidFill>
+        <a:effectLst/>
+      </p:bgPr>
+    </p:bg>
+    <p:spTree>
+      <p:nvGrpSpPr>
+        <p:cNvPr id="1" name=""/>
+        <p:cNvGrpSpPr/>
+        <p:nvPr/>
+      </p:nvGrpSpPr>
+      <p:grpSpPr>
+        <a:xfrm>
+          <a:off x="0" y="0"/>
+          <a:ext cx="0" cy="0"/>
+          <a:chOff x="0" y="0"/>
+          <a:chExt cx="0" cy="0"/>
+        </a:xfrm>
+      </p:grpSpPr>
+      <p:sp>
+        <p:nvSpPr>
+          <p:cNvPr id="2" name="Title 1">
+            <a:extLst>
+              <a:ext uri="{FF2B5EF4-FFF2-40B4-BE49-F238E27FC236}">
+                <a16:creationId xmlns:a16="http://schemas.microsoft.com/office/drawing/2014/main" id="{61E64CA1-566B-46F7-B790-6DE4224D1529}"/>
+              </a:ext>
+            </a:extLst>
+          </p:cNvPr>
+          <p:cNvSpPr>
+            <a:spLocks noGrp="1"/>
+          </p:cNvSpPr>
+          <p:nvPr>
+            <p:ph type="title"/>
+          </p:nvPr>
+        </p:nvSpPr>
+        <p:spPr/>
+        <p:txBody>
+          <a:bodyPr/>
+          <a:lstStyle/>
+          <a:p>
+            <a:pPr algn="ctr"/>
+            <a:r>
+              <a:rPr lang="en-US" dirty="0"/>
+              <a:t>Cell Phone Data Authorization </a:t>
+            </a:r>
+          </a:p>
+        </p:txBody>
+      </p:sp>
+      <p:pic>
+        <p:nvPicPr>
+          <p:cNvPr id="4098" name="Picture 2">
+            <a:extLst>
+              <a:ext uri="{FF2B5EF4-FFF2-40B4-BE49-F238E27FC236}">
+                <a16:creationId xmlns:a16="http://schemas.microsoft.com/office/drawing/2014/main" id="{B71C3C7C-5BD6-4378-8129-752D93BABCEB}"/>
+              </a:ext>
+            </a:extLst>
+          </p:cNvPr>
+          <p:cNvPicPr>
+            <a:picLocks noGrp="1" noChangeAspect="1" noChangeArrowheads="1"/>
+          </p:cNvPicPr>
+          <p:nvPr>
+            <p:ph idx="1"/>
+          </p:nvPr>
+        </p:nvPicPr>
+        <p:blipFill>
+          <a:blip r:embed="rId2">
+            <a:extLst>
+              <a:ext uri="{28A0092B-C50C-407E-A947-70E740481C1C}">
+                <a14:useLocalDpi xmlns:a14="http://schemas.microsoft.com/office/drawing/2010/main" val="0"/>
+              </a:ext>
+            </a:extLst>
+          </a:blip>
+          <a:srcRect/>
+          <a:stretch>
+            <a:fillRect/>
+          </a:stretch>
+        </p:blipFill>
+        <p:spPr bwMode="auto">
+          <a:xfrm>
+            <a:off x="2273225" y="1834712"/>
+            <a:ext cx="2009546" cy="4351338"/>
+          </a:xfrm>
+          <a:prstGeom prst="rect">
+            <a:avLst/>
+          </a:prstGeom>
+          <a:noFill/>
+          <a:ln w="25400">
+            <a:solidFill>
+              <a:schemeClr val="tx1"/>
+            </a:solidFill>
+          </a:ln>
+          <a:extLst>
+            <a:ext uri="{909E8E84-426E-40DD-AFC4-6F175D3DCCD1}">
+              <a14:hiddenFill xmlns:a14="http://schemas.microsoft.com/office/drawing/2010/main">
+                <a:solidFill>
+                  <a:srgbClr val="FFFFFF"/>
+                </a:solidFill>
+              </a14:hiddenFill>
+            </a:ext>
+          </a:extLst>
+        </p:spPr>
+      </p:pic>
+      <p:pic>
+        <p:nvPicPr>
+          <p:cNvPr id="4100" name="Picture 4">
+            <a:extLst>
+              <a:ext uri="{FF2B5EF4-FFF2-40B4-BE49-F238E27FC236}">
+                <a16:creationId xmlns:a16="http://schemas.microsoft.com/office/drawing/2014/main" id="{1BF8622D-DF7B-4A63-88E9-D029099D1744}"/>
+              </a:ext>
+            </a:extLst>
+          </p:cNvPr>
+          <p:cNvPicPr>
+            <a:picLocks noChangeAspect="1" noChangeArrowheads="1"/>
+          </p:cNvPicPr>
+          <p:nvPr/>
+        </p:nvPicPr>
+        <p:blipFill>
+          <a:blip r:embed="rId3">
+            <a:extLst>
+              <a:ext uri="{28A0092B-C50C-407E-A947-70E740481C1C}">
+                <a14:useLocalDpi xmlns:a14="http://schemas.microsoft.com/office/drawing/2010/main" val="0"/>
+              </a:ext>
+            </a:extLst>
+          </a:blip>
+          <a:srcRect/>
+          <a:stretch>
+            <a:fillRect/>
+          </a:stretch>
+        </p:blipFill>
+        <p:spPr bwMode="auto">
+          <a:xfrm>
+            <a:off x="5091226" y="1834712"/>
+            <a:ext cx="2009547" cy="4351500"/>
+          </a:xfrm>
+          <a:prstGeom prst="rect">
+            <a:avLst/>
+          </a:prstGeom>
+          <a:noFill/>
+          <a:ln w="25400">
+            <a:solidFill>
+              <a:schemeClr val="tx1"/>
+            </a:solidFill>
+          </a:ln>
+          <a:extLst>
+            <a:ext uri="{909E8E84-426E-40DD-AFC4-6F175D3DCCD1}">
+              <a14:hiddenFill xmlns:a14="http://schemas.microsoft.com/office/drawing/2010/main">
+                <a:solidFill>
+                  <a:srgbClr val="FFFFFF"/>
+                </a:solidFill>
+              </a14:hiddenFill>
+            </a:ext>
+          </a:extLst>
+        </p:spPr>
+      </p:pic>
+      <p:pic>
+        <p:nvPicPr>
+          <p:cNvPr id="4102" name="Picture 6">
+            <a:extLst>
+              <a:ext uri="{FF2B5EF4-FFF2-40B4-BE49-F238E27FC236}">
+                <a16:creationId xmlns:a16="http://schemas.microsoft.com/office/drawing/2014/main" id="{A65D813D-2928-4F3E-A548-2BC0C2002636}"/>
+              </a:ext>
+            </a:extLst>
+          </p:cNvPr>
+          <p:cNvPicPr>
+            <a:picLocks noChangeAspect="1" noChangeArrowheads="1"/>
+          </p:cNvPicPr>
+          <p:nvPr/>
+        </p:nvPicPr>
+        <p:blipFill>
+          <a:blip r:embed="rId4">
+            <a:extLst>
+              <a:ext uri="{28A0092B-C50C-407E-A947-70E740481C1C}">
+                <a14:useLocalDpi xmlns:a14="http://schemas.microsoft.com/office/drawing/2010/main" val="0"/>
+              </a:ext>
+            </a:extLst>
+          </a:blip>
+          <a:srcRect/>
+          <a:stretch>
+            <a:fillRect/>
+          </a:stretch>
+        </p:blipFill>
+        <p:spPr bwMode="auto">
+          <a:xfrm>
+            <a:off x="7909228" y="1834712"/>
+            <a:ext cx="2009472" cy="4351338"/>
+          </a:xfrm>
+          <a:prstGeom prst="rect">
+            <a:avLst/>
+          </a:prstGeom>
+          <a:noFill/>
+          <a:ln w="25400">
+            <a:solidFill>
+              <a:schemeClr val="tx1"/>
+            </a:solidFill>
+          </a:ln>
+          <a:extLst>
+            <a:ext uri="{909E8E84-426E-40DD-AFC4-6F175D3DCCD1}">
+              <a14:hiddenFill xmlns:a14="http://schemas.microsoft.com/office/drawing/2010/main">
+                <a:solidFill>
+                  <a:srgbClr val="FFFFFF"/>
+                </a:solidFill>
+              </a14:hiddenFill>
+            </a:ext>
+          </a:extLst>
+        </p:spPr>
+      </p:pic>
+    </p:spTree>
+    <p:extLst>
+      <p:ext uri="{BB962C8B-B14F-4D97-AF65-F5344CB8AC3E}">
+        <p14:creationId xmlns:p14="http://schemas.microsoft.com/office/powerpoint/2010/main" val="3472878824"/>
+      </p:ext>
+    </p:extLst>
+  </p:cSld>
+  <p:clrMapOvr>
+    <a:masterClrMapping/>
+  </p:clrMapOvr>
+</p:sld>
+</file>
+
+<file path=ppt/slides/slide7.xml><?xml version="1.0" encoding="utf-8"?>
 <p:sld xmlns:a="http://schemas.openxmlformats.org/drawingml/2006/main" xmlns:r="http://schemas.openxmlformats.org/officeDocument/2006/relationships" xmlns:p="http://schemas.openxmlformats.org/presentationml/2006/main">
   <p:cSld>
     <p:spTree>
@@ -25206,7 +25536,7 @@
 </p:sld>
 </file>
 
-<file path=ppt/slides/slide7.xml><?xml version="1.0" encoding="utf-8"?>
+<file path=ppt/slides/slide8.xml><?xml version="1.0" encoding="utf-8"?>
 <p:sld xmlns:a="http://schemas.openxmlformats.org/drawingml/2006/main" xmlns:r="http://schemas.openxmlformats.org/officeDocument/2006/relationships" xmlns:p="http://schemas.openxmlformats.org/presentationml/2006/main">
   <p:cSld>
     <p:spTree>
@@ -25322,7 +25652,7 @@
 </p:sld>
 </file>
 
-<file path=ppt/slides/slide8.xml><?xml version="1.0" encoding="utf-8"?>
+<file path=ppt/slides/slide9.xml><?xml version="1.0" encoding="utf-8"?>
 <p:sld xmlns:a="http://schemas.openxmlformats.org/drawingml/2006/main" xmlns:r="http://schemas.openxmlformats.org/officeDocument/2006/relationships" xmlns:p="http://schemas.openxmlformats.org/presentationml/2006/main">
   <p:cSld>
     <p:spTree>
@@ -25421,110 +25751,6 @@
     <p:extLst>
       <p:ext uri="{BB962C8B-B14F-4D97-AF65-F5344CB8AC3E}">
         <p14:creationId xmlns:p14="http://schemas.microsoft.com/office/powerpoint/2010/main" val="3057905084"/>
-      </p:ext>
-    </p:extLst>
-  </p:cSld>
-  <p:clrMapOvr>
-    <a:masterClrMapping/>
-  </p:clrMapOvr>
-</p:sld>
-</file>
-
-<file path=ppt/slides/slide9.xml><?xml version="1.0" encoding="utf-8"?>
-<p:sld xmlns:a="http://schemas.openxmlformats.org/drawingml/2006/main" xmlns:r="http://schemas.openxmlformats.org/officeDocument/2006/relationships" xmlns:p="http://schemas.openxmlformats.org/presentationml/2006/main">
-  <p:cSld>
-    <p:spTree>
-      <p:nvGrpSpPr>
-        <p:cNvPr id="1" name=""/>
-        <p:cNvGrpSpPr/>
-        <p:nvPr/>
-      </p:nvGrpSpPr>
-      <p:grpSpPr>
-        <a:xfrm>
-          <a:off x="0" y="0"/>
-          <a:ext cx="0" cy="0"/>
-          <a:chOff x="0" y="0"/>
-          <a:chExt cx="0" cy="0"/>
-        </a:xfrm>
-      </p:grpSpPr>
-      <p:graphicFrame>
-        <p:nvGraphicFramePr>
-          <p:cNvPr id="4" name="Diagram 3">
-            <a:extLst>
-              <a:ext uri="{FF2B5EF4-FFF2-40B4-BE49-F238E27FC236}">
-                <a16:creationId xmlns:a16="http://schemas.microsoft.com/office/drawing/2014/main" id="{3EA03B95-7B20-4CB8-BBD3-3107AAB9C9AE}"/>
-              </a:ext>
-            </a:extLst>
-          </p:cNvPr>
-          <p:cNvGraphicFramePr/>
-          <p:nvPr/>
-        </p:nvGraphicFramePr>
-        <p:xfrm>
-          <a:off x="2032000" y="719666"/>
-          <a:ext cx="8128000" cy="5418667"/>
-        </p:xfrm>
-        <a:graphic>
-          <a:graphicData uri="http://schemas.openxmlformats.org/drawingml/2006/diagram">
-            <dgm:relIds xmlns:dgm="http://schemas.openxmlformats.org/drawingml/2006/diagram" xmlns:r="http://schemas.openxmlformats.org/officeDocument/2006/relationships" r:dm="rId2" r:lo="rId3" r:qs="rId4" r:cs="rId5"/>
-          </a:graphicData>
-        </a:graphic>
-      </p:graphicFrame>
-      <p:sp>
-        <p:nvSpPr>
-          <p:cNvPr id="2" name="Oval 1">
-            <a:extLst>
-              <a:ext uri="{FF2B5EF4-FFF2-40B4-BE49-F238E27FC236}">
-                <a16:creationId xmlns:a16="http://schemas.microsoft.com/office/drawing/2014/main" id="{12FC1AB0-6920-4734-9B78-8473CD786F99}"/>
-              </a:ext>
-            </a:extLst>
-          </p:cNvPr>
-          <p:cNvSpPr/>
-          <p:nvPr/>
-        </p:nvSpPr>
-        <p:spPr>
-          <a:xfrm rot="8431739">
-            <a:off x="4489840" y="1889423"/>
-            <a:ext cx="6081354" cy="4270388"/>
-          </a:xfrm>
-          <a:prstGeom prst="ellipse">
-            <a:avLst/>
-          </a:prstGeom>
-          <a:noFill/>
-          <a:ln w="57150">
-            <a:solidFill>
-              <a:srgbClr val="FF0000"/>
-            </a:solidFill>
-          </a:ln>
-        </p:spPr>
-        <p:style>
-          <a:lnRef idx="2">
-            <a:schemeClr val="accent1">
-              <a:shade val="50000"/>
-            </a:schemeClr>
-          </a:lnRef>
-          <a:fillRef idx="1">
-            <a:schemeClr val="accent1"/>
-          </a:fillRef>
-          <a:effectRef idx="0">
-            <a:schemeClr val="accent1"/>
-          </a:effectRef>
-          <a:fontRef idx="minor">
-            <a:schemeClr val="lt1"/>
-          </a:fontRef>
-        </p:style>
-        <p:txBody>
-          <a:bodyPr rtlCol="0" anchor="ctr"/>
-          <a:lstStyle/>
-          <a:p>
-            <a:pPr algn="ctr"/>
-            <a:endParaRPr lang="en-US"/>
-          </a:p>
-        </p:txBody>
-      </p:sp>
-    </p:spTree>
-    <p:extLst>
-      <p:ext uri="{BB962C8B-B14F-4D97-AF65-F5344CB8AC3E}">
-        <p14:creationId xmlns:p14="http://schemas.microsoft.com/office/powerpoint/2010/main" val="3213737585"/>
       </p:ext>
     </p:extLst>
   </p:cSld>
